--- a/Medication recommendation.pptx
+++ b/Medication recommendation.pptx
@@ -12,7 +12,6 @@
     <p:sldId id="259" r:id="rId7"/>
     <p:sldId id="260" r:id="rId8"/>
     <p:sldId id="261" r:id="rId9"/>
-    <p:sldId id="262" r:id="rId10"/>
   </p:sldIdLst>
   <p:sldSz cx="12192000" cy="6858000"/>
   <p:notesSz cx="7772400" cy="10058400"/>
@@ -60,7 +59,7 @@
       </p:grpSpPr>
       <p:sp>
         <p:nvSpPr>
-          <p:cNvPr id="36" name="PlaceHolder 1"/>
+          <p:cNvPr id="32" name="PlaceHolder 1"/>
           <p:cNvSpPr>
             <a:spLocks noGrp="1"/>
           </p:cNvSpPr>
@@ -70,8 +69,8 @@
         </p:nvSpPr>
         <p:spPr>
           <a:xfrm>
-            <a:off x="1295280" y="982080"/>
-            <a:ext cx="9600840" cy="1303560"/>
+            <a:off x="609480" y="273600"/>
+            <a:ext cx="10972440" cy="1144800"/>
           </a:xfrm>
           <a:prstGeom prst="rect">
             <a:avLst/>
@@ -80,13 +79,14 @@
         <p:txBody>
           <a:bodyPr lIns="0" rIns="0" tIns="0" bIns="0" anchor="ctr"/>
           <a:p>
-            <a:endParaRPr/>
-          </a:p>
-        </p:txBody>
-      </p:sp>
-      <p:sp>
-        <p:nvSpPr>
-          <p:cNvPr id="37" name="PlaceHolder 2"/>
+            <a:pPr algn="ctr"/>
+            <a:endParaRPr/>
+          </a:p>
+        </p:txBody>
+      </p:sp>
+      <p:sp>
+        <p:nvSpPr>
+          <p:cNvPr id="33" name="PlaceHolder 2"/>
           <p:cNvSpPr>
             <a:spLocks noGrp="1"/>
           </p:cNvSpPr>
@@ -96,8 +96,8 @@
         </p:nvSpPr>
         <p:spPr>
           <a:xfrm>
-            <a:off x="1295280" y="2557080"/>
-            <a:ext cx="9600840" cy="1582560"/>
+            <a:off x="609480" y="1604520"/>
+            <a:ext cx="10972440" cy="1896840"/>
           </a:xfrm>
           <a:prstGeom prst="rect">
             <a:avLst/>
@@ -112,7 +112,7 @@
       </p:sp>
       <p:sp>
         <p:nvSpPr>
-          <p:cNvPr id="38" name="PlaceHolder 3"/>
+          <p:cNvPr id="34" name="PlaceHolder 3"/>
           <p:cNvSpPr>
             <a:spLocks noGrp="1"/>
           </p:cNvSpPr>
@@ -122,8 +122,8 @@
         </p:nvSpPr>
         <p:spPr>
           <a:xfrm>
-            <a:off x="1295280" y="4290480"/>
-            <a:ext cx="9600840" cy="1582560"/>
+            <a:off x="609480" y="3682080"/>
+            <a:ext cx="10972440" cy="1896840"/>
           </a:xfrm>
           <a:prstGeom prst="rect">
             <a:avLst/>
@@ -160,7 +160,7 @@
       </p:grpSpPr>
       <p:sp>
         <p:nvSpPr>
-          <p:cNvPr id="39" name="PlaceHolder 1"/>
+          <p:cNvPr id="35" name="PlaceHolder 1"/>
           <p:cNvSpPr>
             <a:spLocks noGrp="1"/>
           </p:cNvSpPr>
@@ -170,8 +170,8 @@
         </p:nvSpPr>
         <p:spPr>
           <a:xfrm>
-            <a:off x="1295280" y="982080"/>
-            <a:ext cx="9600840" cy="1303560"/>
+            <a:off x="609480" y="273600"/>
+            <a:ext cx="10972440" cy="1144800"/>
           </a:xfrm>
           <a:prstGeom prst="rect">
             <a:avLst/>
@@ -180,13 +180,14 @@
         <p:txBody>
           <a:bodyPr lIns="0" rIns="0" tIns="0" bIns="0" anchor="ctr"/>
           <a:p>
-            <a:endParaRPr/>
-          </a:p>
-        </p:txBody>
-      </p:sp>
-      <p:sp>
-        <p:nvSpPr>
-          <p:cNvPr id="40" name="PlaceHolder 2"/>
+            <a:pPr algn="ctr"/>
+            <a:endParaRPr/>
+          </a:p>
+        </p:txBody>
+      </p:sp>
+      <p:sp>
+        <p:nvSpPr>
+          <p:cNvPr id="36" name="PlaceHolder 2"/>
           <p:cNvSpPr>
             <a:spLocks noGrp="1"/>
           </p:cNvSpPr>
@@ -196,8 +197,8 @@
         </p:nvSpPr>
         <p:spPr>
           <a:xfrm>
-            <a:off x="1295280" y="2557080"/>
-            <a:ext cx="4685040" cy="1582560"/>
+            <a:off x="609480" y="1604520"/>
+            <a:ext cx="5354280" cy="1896840"/>
           </a:xfrm>
           <a:prstGeom prst="rect">
             <a:avLst/>
@@ -212,7 +213,7 @@
       </p:sp>
       <p:sp>
         <p:nvSpPr>
-          <p:cNvPr id="41" name="PlaceHolder 3"/>
+          <p:cNvPr id="37" name="PlaceHolder 3"/>
           <p:cNvSpPr>
             <a:spLocks noGrp="1"/>
           </p:cNvSpPr>
@@ -222,8 +223,8 @@
         </p:nvSpPr>
         <p:spPr>
           <a:xfrm>
-            <a:off x="6215040" y="2557080"/>
-            <a:ext cx="4685040" cy="1582560"/>
+            <a:off x="6231960" y="1604520"/>
+            <a:ext cx="5354280" cy="1896840"/>
           </a:xfrm>
           <a:prstGeom prst="rect">
             <a:avLst/>
@@ -238,7 +239,7 @@
       </p:sp>
       <p:sp>
         <p:nvSpPr>
-          <p:cNvPr id="42" name="PlaceHolder 4"/>
+          <p:cNvPr id="38" name="PlaceHolder 4"/>
           <p:cNvSpPr>
             <a:spLocks noGrp="1"/>
           </p:cNvSpPr>
@@ -248,8 +249,8 @@
         </p:nvSpPr>
         <p:spPr>
           <a:xfrm>
-            <a:off x="6215040" y="4290480"/>
-            <a:ext cx="4685040" cy="1582560"/>
+            <a:off x="6231960" y="3682080"/>
+            <a:ext cx="5354280" cy="1896840"/>
           </a:xfrm>
           <a:prstGeom prst="rect">
             <a:avLst/>
@@ -264,7 +265,7 @@
       </p:sp>
       <p:sp>
         <p:nvSpPr>
-          <p:cNvPr id="43" name="PlaceHolder 5"/>
+          <p:cNvPr id="39" name="PlaceHolder 5"/>
           <p:cNvSpPr>
             <a:spLocks noGrp="1"/>
           </p:cNvSpPr>
@@ -274,8 +275,8 @@
         </p:nvSpPr>
         <p:spPr>
           <a:xfrm>
-            <a:off x="1295280" y="4290480"/>
-            <a:ext cx="4685040" cy="1582560"/>
+            <a:off x="609480" y="3682080"/>
+            <a:ext cx="5354280" cy="1896840"/>
           </a:xfrm>
           <a:prstGeom prst="rect">
             <a:avLst/>
@@ -312,7 +313,7 @@
       </p:grpSpPr>
       <p:sp>
         <p:nvSpPr>
-          <p:cNvPr id="44" name="PlaceHolder 1"/>
+          <p:cNvPr id="40" name="PlaceHolder 1"/>
           <p:cNvSpPr>
             <a:spLocks noGrp="1"/>
           </p:cNvSpPr>
@@ -322,8 +323,8 @@
         </p:nvSpPr>
         <p:spPr>
           <a:xfrm>
-            <a:off x="1295280" y="982080"/>
-            <a:ext cx="9600840" cy="1303560"/>
+            <a:off x="609480" y="273600"/>
+            <a:ext cx="10972440" cy="1144800"/>
           </a:xfrm>
           <a:prstGeom prst="rect">
             <a:avLst/>
@@ -332,13 +333,14 @@
         <p:txBody>
           <a:bodyPr lIns="0" rIns="0" tIns="0" bIns="0" anchor="ctr"/>
           <a:p>
-            <a:endParaRPr/>
-          </a:p>
-        </p:txBody>
-      </p:sp>
-      <p:sp>
-        <p:nvSpPr>
-          <p:cNvPr id="45" name="PlaceHolder 2"/>
+            <a:pPr algn="ctr"/>
+            <a:endParaRPr/>
+          </a:p>
+        </p:txBody>
+      </p:sp>
+      <p:sp>
+        <p:nvSpPr>
+          <p:cNvPr id="41" name="PlaceHolder 2"/>
           <p:cNvSpPr>
             <a:spLocks noGrp="1"/>
           </p:cNvSpPr>
@@ -348,8 +350,8 @@
         </p:nvSpPr>
         <p:spPr>
           <a:xfrm>
-            <a:off x="1295280" y="2557080"/>
-            <a:ext cx="9600840" cy="3318480"/>
+            <a:off x="609480" y="1604520"/>
+            <a:ext cx="10972440" cy="3977280"/>
           </a:xfrm>
           <a:prstGeom prst="rect">
             <a:avLst/>
@@ -364,7 +366,7 @@
       </p:sp>
       <p:sp>
         <p:nvSpPr>
-          <p:cNvPr id="46" name="PlaceHolder 3"/>
+          <p:cNvPr id="42" name="PlaceHolder 3"/>
           <p:cNvSpPr>
             <a:spLocks noGrp="1"/>
           </p:cNvSpPr>
@@ -374,8 +376,8 @@
         </p:nvSpPr>
         <p:spPr>
           <a:xfrm>
-            <a:off x="1295280" y="2557080"/>
-            <a:ext cx="9600840" cy="3318480"/>
+            <a:off x="609480" y="1604520"/>
+            <a:ext cx="10972440" cy="3977280"/>
           </a:xfrm>
           <a:prstGeom prst="rect">
             <a:avLst/>
@@ -390,7 +392,7 @@
       </p:sp>
       <p:pic>
         <p:nvPicPr>
-          <p:cNvPr id="47" name="" descr=""/>
+          <p:cNvPr id="43" name="" descr=""/>
           <p:cNvPicPr/>
           <p:nvPr/>
         </p:nvPicPr>
@@ -400,8 +402,8 @@
         </p:blipFill>
         <p:spPr>
           <a:xfrm>
-            <a:off x="4015800" y="2557080"/>
-            <a:ext cx="4159080" cy="3318480"/>
+            <a:off x="3602880" y="1604520"/>
+            <a:ext cx="4984920" cy="3977280"/>
           </a:xfrm>
           <a:prstGeom prst="rect">
             <a:avLst/>
@@ -413,7 +415,7 @@
       </p:pic>
       <p:pic>
         <p:nvPicPr>
-          <p:cNvPr id="48" name="" descr=""/>
+          <p:cNvPr id="44" name="" descr=""/>
           <p:cNvPicPr/>
           <p:nvPr/>
         </p:nvPicPr>
@@ -423,8 +425,8 @@
         </p:blipFill>
         <p:spPr>
           <a:xfrm>
-            <a:off x="4015800" y="2557080"/>
-            <a:ext cx="4159080" cy="3318480"/>
+            <a:off x="3602880" y="1604520"/>
+            <a:ext cx="4984920" cy="3977280"/>
           </a:xfrm>
           <a:prstGeom prst="rect">
             <a:avLst/>
@@ -480,7 +482,7 @@
       </p:grpSpPr>
       <p:sp>
         <p:nvSpPr>
-          <p:cNvPr id="59" name="PlaceHolder 1"/>
+          <p:cNvPr id="52" name="PlaceHolder 1"/>
           <p:cNvSpPr>
             <a:spLocks noGrp="1"/>
           </p:cNvSpPr>
@@ -490,8 +492,8 @@
         </p:nvSpPr>
         <p:spPr>
           <a:xfrm>
-            <a:off x="1295280" y="982080"/>
-            <a:ext cx="9600840" cy="1303560"/>
+            <a:off x="609480" y="273600"/>
+            <a:ext cx="10972440" cy="1144800"/>
           </a:xfrm>
           <a:prstGeom prst="rect">
             <a:avLst/>
@@ -500,13 +502,14 @@
         <p:txBody>
           <a:bodyPr lIns="0" rIns="0" tIns="0" bIns="0" anchor="ctr"/>
           <a:p>
-            <a:endParaRPr/>
-          </a:p>
-        </p:txBody>
-      </p:sp>
-      <p:sp>
-        <p:nvSpPr>
-          <p:cNvPr id="60" name="PlaceHolder 2"/>
+            <a:pPr algn="ctr"/>
+            <a:endParaRPr/>
+          </a:p>
+        </p:txBody>
+      </p:sp>
+      <p:sp>
+        <p:nvSpPr>
+          <p:cNvPr id="53" name="PlaceHolder 2"/>
           <p:cNvSpPr>
             <a:spLocks noGrp="1"/>
           </p:cNvSpPr>
@@ -516,8 +519,8 @@
         </p:nvSpPr>
         <p:spPr>
           <a:xfrm>
-            <a:off x="1295280" y="2557080"/>
-            <a:ext cx="9600840" cy="3318480"/>
+            <a:off x="609480" y="1604520"/>
+            <a:ext cx="10972440" cy="3977280"/>
           </a:xfrm>
           <a:prstGeom prst="rect">
             <a:avLst/>
@@ -555,7 +558,7 @@
       </p:grpSpPr>
       <p:sp>
         <p:nvSpPr>
-          <p:cNvPr id="61" name="PlaceHolder 1"/>
+          <p:cNvPr id="54" name="PlaceHolder 1"/>
           <p:cNvSpPr>
             <a:spLocks noGrp="1"/>
           </p:cNvSpPr>
@@ -565,8 +568,8 @@
         </p:nvSpPr>
         <p:spPr>
           <a:xfrm>
-            <a:off x="1295280" y="982080"/>
-            <a:ext cx="9600840" cy="1303560"/>
+            <a:off x="609480" y="273600"/>
+            <a:ext cx="10972440" cy="1144800"/>
           </a:xfrm>
           <a:prstGeom prst="rect">
             <a:avLst/>
@@ -575,13 +578,14 @@
         <p:txBody>
           <a:bodyPr lIns="0" rIns="0" tIns="0" bIns="0" anchor="ctr"/>
           <a:p>
-            <a:endParaRPr/>
-          </a:p>
-        </p:txBody>
-      </p:sp>
-      <p:sp>
-        <p:nvSpPr>
-          <p:cNvPr id="62" name="PlaceHolder 2"/>
+            <a:pPr algn="ctr"/>
+            <a:endParaRPr/>
+          </a:p>
+        </p:txBody>
+      </p:sp>
+      <p:sp>
+        <p:nvSpPr>
+          <p:cNvPr id="55" name="PlaceHolder 2"/>
           <p:cNvSpPr>
             <a:spLocks noGrp="1"/>
           </p:cNvSpPr>
@@ -591,8 +595,8 @@
         </p:nvSpPr>
         <p:spPr>
           <a:xfrm>
-            <a:off x="1295280" y="2557080"/>
-            <a:ext cx="9600840" cy="3318480"/>
+            <a:off x="609480" y="1604520"/>
+            <a:ext cx="10972440" cy="3977280"/>
           </a:xfrm>
           <a:prstGeom prst="rect">
             <a:avLst/>
@@ -629,7 +633,7 @@
       </p:grpSpPr>
       <p:sp>
         <p:nvSpPr>
-          <p:cNvPr id="63" name="PlaceHolder 1"/>
+          <p:cNvPr id="56" name="PlaceHolder 1"/>
           <p:cNvSpPr>
             <a:spLocks noGrp="1"/>
           </p:cNvSpPr>
@@ -639,8 +643,8 @@
         </p:nvSpPr>
         <p:spPr>
           <a:xfrm>
-            <a:off x="1295280" y="982080"/>
-            <a:ext cx="9600840" cy="1303560"/>
+            <a:off x="609480" y="273600"/>
+            <a:ext cx="10972440" cy="1144800"/>
           </a:xfrm>
           <a:prstGeom prst="rect">
             <a:avLst/>
@@ -649,13 +653,14 @@
         <p:txBody>
           <a:bodyPr lIns="0" rIns="0" tIns="0" bIns="0" anchor="ctr"/>
           <a:p>
-            <a:endParaRPr/>
-          </a:p>
-        </p:txBody>
-      </p:sp>
-      <p:sp>
-        <p:nvSpPr>
-          <p:cNvPr id="64" name="PlaceHolder 2"/>
+            <a:pPr algn="ctr"/>
+            <a:endParaRPr/>
+          </a:p>
+        </p:txBody>
+      </p:sp>
+      <p:sp>
+        <p:nvSpPr>
+          <p:cNvPr id="57" name="PlaceHolder 2"/>
           <p:cNvSpPr>
             <a:spLocks noGrp="1"/>
           </p:cNvSpPr>
@@ -665,8 +670,8 @@
         </p:nvSpPr>
         <p:spPr>
           <a:xfrm>
-            <a:off x="1295280" y="2557080"/>
-            <a:ext cx="4685040" cy="3318480"/>
+            <a:off x="609480" y="1604520"/>
+            <a:ext cx="5354280" cy="3977280"/>
           </a:xfrm>
           <a:prstGeom prst="rect">
             <a:avLst/>
@@ -681,7 +686,7 @@
       </p:sp>
       <p:sp>
         <p:nvSpPr>
-          <p:cNvPr id="65" name="PlaceHolder 3"/>
+          <p:cNvPr id="58" name="PlaceHolder 3"/>
           <p:cNvSpPr>
             <a:spLocks noGrp="1"/>
           </p:cNvSpPr>
@@ -691,8 +696,8 @@
         </p:nvSpPr>
         <p:spPr>
           <a:xfrm>
-            <a:off x="6215040" y="2557080"/>
-            <a:ext cx="4685040" cy="3318480"/>
+            <a:off x="6231960" y="1604520"/>
+            <a:ext cx="5354280" cy="3977280"/>
           </a:xfrm>
           <a:prstGeom prst="rect">
             <a:avLst/>
@@ -729,7 +734,7 @@
       </p:grpSpPr>
       <p:sp>
         <p:nvSpPr>
-          <p:cNvPr id="66" name="PlaceHolder 1"/>
+          <p:cNvPr id="59" name="PlaceHolder 1"/>
           <p:cNvSpPr>
             <a:spLocks noGrp="1"/>
           </p:cNvSpPr>
@@ -739,8 +744,8 @@
         </p:nvSpPr>
         <p:spPr>
           <a:xfrm>
-            <a:off x="1295280" y="982080"/>
-            <a:ext cx="9600840" cy="1303560"/>
+            <a:off x="609480" y="273600"/>
+            <a:ext cx="10972440" cy="1144800"/>
           </a:xfrm>
           <a:prstGeom prst="rect">
             <a:avLst/>
@@ -749,6 +754,7 @@
         <p:txBody>
           <a:bodyPr lIns="0" rIns="0" tIns="0" bIns="0" anchor="ctr"/>
           <a:p>
+            <a:pPr algn="ctr"/>
             <a:endParaRPr/>
           </a:p>
         </p:txBody>
@@ -777,7 +783,7 @@
       </p:grpSpPr>
       <p:sp>
         <p:nvSpPr>
-          <p:cNvPr id="67" name="PlaceHolder 1"/>
+          <p:cNvPr id="60" name="PlaceHolder 1"/>
           <p:cNvSpPr>
             <a:spLocks noGrp="1"/>
           </p:cNvSpPr>
@@ -787,8 +793,8 @@
         </p:nvSpPr>
         <p:spPr>
           <a:xfrm>
-            <a:off x="1295280" y="982080"/>
-            <a:ext cx="9600840" cy="6043680"/>
+            <a:off x="609480" y="273600"/>
+            <a:ext cx="10972440" cy="5307840"/>
           </a:xfrm>
           <a:prstGeom prst="rect">
             <a:avLst/>
@@ -826,7 +832,7 @@
       </p:grpSpPr>
       <p:sp>
         <p:nvSpPr>
-          <p:cNvPr id="68" name="PlaceHolder 1"/>
+          <p:cNvPr id="61" name="PlaceHolder 1"/>
           <p:cNvSpPr>
             <a:spLocks noGrp="1"/>
           </p:cNvSpPr>
@@ -836,8 +842,8 @@
         </p:nvSpPr>
         <p:spPr>
           <a:xfrm>
-            <a:off x="1295280" y="982080"/>
-            <a:ext cx="9600840" cy="1303560"/>
+            <a:off x="609480" y="273600"/>
+            <a:ext cx="10972440" cy="1144800"/>
           </a:xfrm>
           <a:prstGeom prst="rect">
             <a:avLst/>
@@ -846,13 +852,14 @@
         <p:txBody>
           <a:bodyPr lIns="0" rIns="0" tIns="0" bIns="0" anchor="ctr"/>
           <a:p>
-            <a:endParaRPr/>
-          </a:p>
-        </p:txBody>
-      </p:sp>
-      <p:sp>
-        <p:nvSpPr>
-          <p:cNvPr id="69" name="PlaceHolder 2"/>
+            <a:pPr algn="ctr"/>
+            <a:endParaRPr/>
+          </a:p>
+        </p:txBody>
+      </p:sp>
+      <p:sp>
+        <p:nvSpPr>
+          <p:cNvPr id="62" name="PlaceHolder 2"/>
           <p:cNvSpPr>
             <a:spLocks noGrp="1"/>
           </p:cNvSpPr>
@@ -862,8 +869,8 @@
         </p:nvSpPr>
         <p:spPr>
           <a:xfrm>
-            <a:off x="1295280" y="2557080"/>
-            <a:ext cx="4685040" cy="1582560"/>
+            <a:off x="609480" y="1604520"/>
+            <a:ext cx="5354280" cy="1896840"/>
           </a:xfrm>
           <a:prstGeom prst="rect">
             <a:avLst/>
@@ -878,7 +885,7 @@
       </p:sp>
       <p:sp>
         <p:nvSpPr>
-          <p:cNvPr id="70" name="PlaceHolder 3"/>
+          <p:cNvPr id="63" name="PlaceHolder 3"/>
           <p:cNvSpPr>
             <a:spLocks noGrp="1"/>
           </p:cNvSpPr>
@@ -888,8 +895,8 @@
         </p:nvSpPr>
         <p:spPr>
           <a:xfrm>
-            <a:off x="1295280" y="4290480"/>
-            <a:ext cx="4685040" cy="1582560"/>
+            <a:off x="609480" y="3682080"/>
+            <a:ext cx="5354280" cy="1896840"/>
           </a:xfrm>
           <a:prstGeom prst="rect">
             <a:avLst/>
@@ -904,7 +911,7 @@
       </p:sp>
       <p:sp>
         <p:nvSpPr>
-          <p:cNvPr id="71" name="PlaceHolder 4"/>
+          <p:cNvPr id="64" name="PlaceHolder 4"/>
           <p:cNvSpPr>
             <a:spLocks noGrp="1"/>
           </p:cNvSpPr>
@@ -914,8 +921,8 @@
         </p:nvSpPr>
         <p:spPr>
           <a:xfrm>
-            <a:off x="6215040" y="2557080"/>
-            <a:ext cx="4685040" cy="3318480"/>
+            <a:off x="6231960" y="1604520"/>
+            <a:ext cx="5354280" cy="3977280"/>
           </a:xfrm>
           <a:prstGeom prst="rect">
             <a:avLst/>
@@ -952,7 +959,7 @@
       </p:grpSpPr>
       <p:sp>
         <p:nvSpPr>
-          <p:cNvPr id="15" name="PlaceHolder 1"/>
+          <p:cNvPr id="11" name="PlaceHolder 1"/>
           <p:cNvSpPr>
             <a:spLocks noGrp="1"/>
           </p:cNvSpPr>
@@ -962,8 +969,8 @@
         </p:nvSpPr>
         <p:spPr>
           <a:xfrm>
-            <a:off x="1295280" y="982080"/>
-            <a:ext cx="9600840" cy="1303560"/>
+            <a:off x="609480" y="273600"/>
+            <a:ext cx="10972440" cy="1144800"/>
           </a:xfrm>
           <a:prstGeom prst="rect">
             <a:avLst/>
@@ -972,13 +979,14 @@
         <p:txBody>
           <a:bodyPr lIns="0" rIns="0" tIns="0" bIns="0" anchor="ctr"/>
           <a:p>
-            <a:endParaRPr/>
-          </a:p>
-        </p:txBody>
-      </p:sp>
-      <p:sp>
-        <p:nvSpPr>
-          <p:cNvPr id="16" name="PlaceHolder 2"/>
+            <a:pPr algn="ctr"/>
+            <a:endParaRPr/>
+          </a:p>
+        </p:txBody>
+      </p:sp>
+      <p:sp>
+        <p:nvSpPr>
+          <p:cNvPr id="12" name="PlaceHolder 2"/>
           <p:cNvSpPr>
             <a:spLocks noGrp="1"/>
           </p:cNvSpPr>
@@ -988,8 +996,8 @@
         </p:nvSpPr>
         <p:spPr>
           <a:xfrm>
-            <a:off x="1295280" y="2557080"/>
-            <a:ext cx="9600840" cy="3318480"/>
+            <a:off x="609480" y="1604520"/>
+            <a:ext cx="10972440" cy="3977280"/>
           </a:xfrm>
           <a:prstGeom prst="rect">
             <a:avLst/>
@@ -1027,7 +1035,7 @@
       </p:grpSpPr>
       <p:sp>
         <p:nvSpPr>
-          <p:cNvPr id="72" name="PlaceHolder 1"/>
+          <p:cNvPr id="65" name="PlaceHolder 1"/>
           <p:cNvSpPr>
             <a:spLocks noGrp="1"/>
           </p:cNvSpPr>
@@ -1037,8 +1045,8 @@
         </p:nvSpPr>
         <p:spPr>
           <a:xfrm>
-            <a:off x="1295280" y="982080"/>
-            <a:ext cx="9600840" cy="1303560"/>
+            <a:off x="609480" y="273600"/>
+            <a:ext cx="10972440" cy="1144800"/>
           </a:xfrm>
           <a:prstGeom prst="rect">
             <a:avLst/>
@@ -1047,13 +1055,14 @@
         <p:txBody>
           <a:bodyPr lIns="0" rIns="0" tIns="0" bIns="0" anchor="ctr"/>
           <a:p>
-            <a:endParaRPr/>
-          </a:p>
-        </p:txBody>
-      </p:sp>
-      <p:sp>
-        <p:nvSpPr>
-          <p:cNvPr id="73" name="PlaceHolder 2"/>
+            <a:pPr algn="ctr"/>
+            <a:endParaRPr/>
+          </a:p>
+        </p:txBody>
+      </p:sp>
+      <p:sp>
+        <p:nvSpPr>
+          <p:cNvPr id="66" name="PlaceHolder 2"/>
           <p:cNvSpPr>
             <a:spLocks noGrp="1"/>
           </p:cNvSpPr>
@@ -1063,8 +1072,8 @@
         </p:nvSpPr>
         <p:spPr>
           <a:xfrm>
-            <a:off x="1295280" y="2557080"/>
-            <a:ext cx="4685040" cy="3318480"/>
+            <a:off x="609480" y="1604520"/>
+            <a:ext cx="5354280" cy="3977280"/>
           </a:xfrm>
           <a:prstGeom prst="rect">
             <a:avLst/>
@@ -1079,7 +1088,7 @@
       </p:sp>
       <p:sp>
         <p:nvSpPr>
-          <p:cNvPr id="74" name="PlaceHolder 3"/>
+          <p:cNvPr id="67" name="PlaceHolder 3"/>
           <p:cNvSpPr>
             <a:spLocks noGrp="1"/>
           </p:cNvSpPr>
@@ -1089,8 +1098,8 @@
         </p:nvSpPr>
         <p:spPr>
           <a:xfrm>
-            <a:off x="6215040" y="2557080"/>
-            <a:ext cx="4685040" cy="1582560"/>
+            <a:off x="6231960" y="1604520"/>
+            <a:ext cx="5354280" cy="1896840"/>
           </a:xfrm>
           <a:prstGeom prst="rect">
             <a:avLst/>
@@ -1105,7 +1114,7 @@
       </p:sp>
       <p:sp>
         <p:nvSpPr>
-          <p:cNvPr id="75" name="PlaceHolder 4"/>
+          <p:cNvPr id="68" name="PlaceHolder 4"/>
           <p:cNvSpPr>
             <a:spLocks noGrp="1"/>
           </p:cNvSpPr>
@@ -1115,8 +1124,8 @@
         </p:nvSpPr>
         <p:spPr>
           <a:xfrm>
-            <a:off x="6215040" y="4290480"/>
-            <a:ext cx="4685040" cy="1582560"/>
+            <a:off x="6231960" y="3682080"/>
+            <a:ext cx="5354280" cy="1896840"/>
           </a:xfrm>
           <a:prstGeom prst="rect">
             <a:avLst/>
@@ -1153,7 +1162,7 @@
       </p:grpSpPr>
       <p:sp>
         <p:nvSpPr>
-          <p:cNvPr id="76" name="PlaceHolder 1"/>
+          <p:cNvPr id="69" name="PlaceHolder 1"/>
           <p:cNvSpPr>
             <a:spLocks noGrp="1"/>
           </p:cNvSpPr>
@@ -1163,8 +1172,8 @@
         </p:nvSpPr>
         <p:spPr>
           <a:xfrm>
-            <a:off x="1295280" y="982080"/>
-            <a:ext cx="9600840" cy="1303560"/>
+            <a:off x="609480" y="273600"/>
+            <a:ext cx="10972440" cy="1144800"/>
           </a:xfrm>
           <a:prstGeom prst="rect">
             <a:avLst/>
@@ -1173,13 +1182,14 @@
         <p:txBody>
           <a:bodyPr lIns="0" rIns="0" tIns="0" bIns="0" anchor="ctr"/>
           <a:p>
-            <a:endParaRPr/>
-          </a:p>
-        </p:txBody>
-      </p:sp>
-      <p:sp>
-        <p:nvSpPr>
-          <p:cNvPr id="77" name="PlaceHolder 2"/>
+            <a:pPr algn="ctr"/>
+            <a:endParaRPr/>
+          </a:p>
+        </p:txBody>
+      </p:sp>
+      <p:sp>
+        <p:nvSpPr>
+          <p:cNvPr id="70" name="PlaceHolder 2"/>
           <p:cNvSpPr>
             <a:spLocks noGrp="1"/>
           </p:cNvSpPr>
@@ -1189,8 +1199,8 @@
         </p:nvSpPr>
         <p:spPr>
           <a:xfrm>
-            <a:off x="1295280" y="2557080"/>
-            <a:ext cx="4685040" cy="1582560"/>
+            <a:off x="609480" y="1604520"/>
+            <a:ext cx="5354280" cy="1896840"/>
           </a:xfrm>
           <a:prstGeom prst="rect">
             <a:avLst/>
@@ -1205,7 +1215,7 @@
       </p:sp>
       <p:sp>
         <p:nvSpPr>
-          <p:cNvPr id="78" name="PlaceHolder 3"/>
+          <p:cNvPr id="71" name="PlaceHolder 3"/>
           <p:cNvSpPr>
             <a:spLocks noGrp="1"/>
           </p:cNvSpPr>
@@ -1215,8 +1225,8 @@
         </p:nvSpPr>
         <p:spPr>
           <a:xfrm>
-            <a:off x="6215040" y="2557080"/>
-            <a:ext cx="4685040" cy="1582560"/>
+            <a:off x="6231960" y="1604520"/>
+            <a:ext cx="5354280" cy="1896840"/>
           </a:xfrm>
           <a:prstGeom prst="rect">
             <a:avLst/>
@@ -1231,7 +1241,7 @@
       </p:sp>
       <p:sp>
         <p:nvSpPr>
-          <p:cNvPr id="79" name="PlaceHolder 4"/>
+          <p:cNvPr id="72" name="PlaceHolder 4"/>
           <p:cNvSpPr>
             <a:spLocks noGrp="1"/>
           </p:cNvSpPr>
@@ -1241,8 +1251,8 @@
         </p:nvSpPr>
         <p:spPr>
           <a:xfrm>
-            <a:off x="1295280" y="4290480"/>
-            <a:ext cx="9600840" cy="1582560"/>
+            <a:off x="609480" y="3682080"/>
+            <a:ext cx="10972440" cy="1896840"/>
           </a:xfrm>
           <a:prstGeom prst="rect">
             <a:avLst/>
@@ -1279,7 +1289,7 @@
       </p:grpSpPr>
       <p:sp>
         <p:nvSpPr>
-          <p:cNvPr id="80" name="PlaceHolder 1"/>
+          <p:cNvPr id="73" name="PlaceHolder 1"/>
           <p:cNvSpPr>
             <a:spLocks noGrp="1"/>
           </p:cNvSpPr>
@@ -1289,8 +1299,8 @@
         </p:nvSpPr>
         <p:spPr>
           <a:xfrm>
-            <a:off x="1295280" y="982080"/>
-            <a:ext cx="9600840" cy="1303560"/>
+            <a:off x="609480" y="273600"/>
+            <a:ext cx="10972440" cy="1144800"/>
           </a:xfrm>
           <a:prstGeom prst="rect">
             <a:avLst/>
@@ -1299,13 +1309,14 @@
         <p:txBody>
           <a:bodyPr lIns="0" rIns="0" tIns="0" bIns="0" anchor="ctr"/>
           <a:p>
-            <a:endParaRPr/>
-          </a:p>
-        </p:txBody>
-      </p:sp>
-      <p:sp>
-        <p:nvSpPr>
-          <p:cNvPr id="81" name="PlaceHolder 2"/>
+            <a:pPr algn="ctr"/>
+            <a:endParaRPr/>
+          </a:p>
+        </p:txBody>
+      </p:sp>
+      <p:sp>
+        <p:nvSpPr>
+          <p:cNvPr id="74" name="PlaceHolder 2"/>
           <p:cNvSpPr>
             <a:spLocks noGrp="1"/>
           </p:cNvSpPr>
@@ -1315,8 +1326,8 @@
         </p:nvSpPr>
         <p:spPr>
           <a:xfrm>
-            <a:off x="1295280" y="2557080"/>
-            <a:ext cx="9600840" cy="1582560"/>
+            <a:off x="609480" y="1604520"/>
+            <a:ext cx="10972440" cy="1896840"/>
           </a:xfrm>
           <a:prstGeom prst="rect">
             <a:avLst/>
@@ -1331,7 +1342,7 @@
       </p:sp>
       <p:sp>
         <p:nvSpPr>
-          <p:cNvPr id="82" name="PlaceHolder 3"/>
+          <p:cNvPr id="75" name="PlaceHolder 3"/>
           <p:cNvSpPr>
             <a:spLocks noGrp="1"/>
           </p:cNvSpPr>
@@ -1341,8 +1352,8 @@
         </p:nvSpPr>
         <p:spPr>
           <a:xfrm>
-            <a:off x="1295280" y="4290480"/>
-            <a:ext cx="9600840" cy="1582560"/>
+            <a:off x="609480" y="3682080"/>
+            <a:ext cx="10972440" cy="1896840"/>
           </a:xfrm>
           <a:prstGeom prst="rect">
             <a:avLst/>
@@ -1379,7 +1390,7 @@
       </p:grpSpPr>
       <p:sp>
         <p:nvSpPr>
-          <p:cNvPr id="83" name="PlaceHolder 1"/>
+          <p:cNvPr id="76" name="PlaceHolder 1"/>
           <p:cNvSpPr>
             <a:spLocks noGrp="1"/>
           </p:cNvSpPr>
@@ -1389,8 +1400,8 @@
         </p:nvSpPr>
         <p:spPr>
           <a:xfrm>
-            <a:off x="1295280" y="982080"/>
-            <a:ext cx="9600840" cy="1303560"/>
+            <a:off x="609480" y="273600"/>
+            <a:ext cx="10972440" cy="1144800"/>
           </a:xfrm>
           <a:prstGeom prst="rect">
             <a:avLst/>
@@ -1399,13 +1410,14 @@
         <p:txBody>
           <a:bodyPr lIns="0" rIns="0" tIns="0" bIns="0" anchor="ctr"/>
           <a:p>
-            <a:endParaRPr/>
-          </a:p>
-        </p:txBody>
-      </p:sp>
-      <p:sp>
-        <p:nvSpPr>
-          <p:cNvPr id="84" name="PlaceHolder 2"/>
+            <a:pPr algn="ctr"/>
+            <a:endParaRPr/>
+          </a:p>
+        </p:txBody>
+      </p:sp>
+      <p:sp>
+        <p:nvSpPr>
+          <p:cNvPr id="77" name="PlaceHolder 2"/>
           <p:cNvSpPr>
             <a:spLocks noGrp="1"/>
           </p:cNvSpPr>
@@ -1415,8 +1427,8 @@
         </p:nvSpPr>
         <p:spPr>
           <a:xfrm>
-            <a:off x="1295280" y="2557080"/>
-            <a:ext cx="4685040" cy="1582560"/>
+            <a:off x="609480" y="1604520"/>
+            <a:ext cx="5354280" cy="1896840"/>
           </a:xfrm>
           <a:prstGeom prst="rect">
             <a:avLst/>
@@ -1431,7 +1443,7 @@
       </p:sp>
       <p:sp>
         <p:nvSpPr>
-          <p:cNvPr id="85" name="PlaceHolder 3"/>
+          <p:cNvPr id="78" name="PlaceHolder 3"/>
           <p:cNvSpPr>
             <a:spLocks noGrp="1"/>
           </p:cNvSpPr>
@@ -1441,8 +1453,8 @@
         </p:nvSpPr>
         <p:spPr>
           <a:xfrm>
-            <a:off x="6215040" y="2557080"/>
-            <a:ext cx="4685040" cy="1582560"/>
+            <a:off x="6231960" y="1604520"/>
+            <a:ext cx="5354280" cy="1896840"/>
           </a:xfrm>
           <a:prstGeom prst="rect">
             <a:avLst/>
@@ -1457,7 +1469,7 @@
       </p:sp>
       <p:sp>
         <p:nvSpPr>
-          <p:cNvPr id="86" name="PlaceHolder 4"/>
+          <p:cNvPr id="79" name="PlaceHolder 4"/>
           <p:cNvSpPr>
             <a:spLocks noGrp="1"/>
           </p:cNvSpPr>
@@ -1467,8 +1479,8 @@
         </p:nvSpPr>
         <p:spPr>
           <a:xfrm>
-            <a:off x="6215040" y="4290480"/>
-            <a:ext cx="4685040" cy="1582560"/>
+            <a:off x="6231960" y="3682080"/>
+            <a:ext cx="5354280" cy="1896840"/>
           </a:xfrm>
           <a:prstGeom prst="rect">
             <a:avLst/>
@@ -1483,7 +1495,7 @@
       </p:sp>
       <p:sp>
         <p:nvSpPr>
-          <p:cNvPr id="87" name="PlaceHolder 5"/>
+          <p:cNvPr id="80" name="PlaceHolder 5"/>
           <p:cNvSpPr>
             <a:spLocks noGrp="1"/>
           </p:cNvSpPr>
@@ -1493,8 +1505,8 @@
         </p:nvSpPr>
         <p:spPr>
           <a:xfrm>
-            <a:off x="1295280" y="4290480"/>
-            <a:ext cx="4685040" cy="1582560"/>
+            <a:off x="609480" y="3682080"/>
+            <a:ext cx="5354280" cy="1896840"/>
           </a:xfrm>
           <a:prstGeom prst="rect">
             <a:avLst/>
@@ -1531,7 +1543,7 @@
       </p:grpSpPr>
       <p:sp>
         <p:nvSpPr>
-          <p:cNvPr id="88" name="PlaceHolder 1"/>
+          <p:cNvPr id="81" name="PlaceHolder 1"/>
           <p:cNvSpPr>
             <a:spLocks noGrp="1"/>
           </p:cNvSpPr>
@@ -1541,8 +1553,8 @@
         </p:nvSpPr>
         <p:spPr>
           <a:xfrm>
-            <a:off x="1295280" y="982080"/>
-            <a:ext cx="9600840" cy="1303560"/>
+            <a:off x="609480" y="273600"/>
+            <a:ext cx="10972440" cy="1144800"/>
           </a:xfrm>
           <a:prstGeom prst="rect">
             <a:avLst/>
@@ -1551,13 +1563,14 @@
         <p:txBody>
           <a:bodyPr lIns="0" rIns="0" tIns="0" bIns="0" anchor="ctr"/>
           <a:p>
-            <a:endParaRPr/>
-          </a:p>
-        </p:txBody>
-      </p:sp>
-      <p:sp>
-        <p:nvSpPr>
-          <p:cNvPr id="89" name="PlaceHolder 2"/>
+            <a:pPr algn="ctr"/>
+            <a:endParaRPr/>
+          </a:p>
+        </p:txBody>
+      </p:sp>
+      <p:sp>
+        <p:nvSpPr>
+          <p:cNvPr id="82" name="PlaceHolder 2"/>
           <p:cNvSpPr>
             <a:spLocks noGrp="1"/>
           </p:cNvSpPr>
@@ -1567,8 +1580,8 @@
         </p:nvSpPr>
         <p:spPr>
           <a:xfrm>
-            <a:off x="1295280" y="2557080"/>
-            <a:ext cx="9600840" cy="3318480"/>
+            <a:off x="609480" y="1604520"/>
+            <a:ext cx="10972440" cy="3977280"/>
           </a:xfrm>
           <a:prstGeom prst="rect">
             <a:avLst/>
@@ -1583,7 +1596,7 @@
       </p:sp>
       <p:sp>
         <p:nvSpPr>
-          <p:cNvPr id="90" name="PlaceHolder 3"/>
+          <p:cNvPr id="83" name="PlaceHolder 3"/>
           <p:cNvSpPr>
             <a:spLocks noGrp="1"/>
           </p:cNvSpPr>
@@ -1593,8 +1606,8 @@
         </p:nvSpPr>
         <p:spPr>
           <a:xfrm>
-            <a:off x="1295280" y="2557080"/>
-            <a:ext cx="9600840" cy="3318480"/>
+            <a:off x="609480" y="1604520"/>
+            <a:ext cx="10972440" cy="3977280"/>
           </a:xfrm>
           <a:prstGeom prst="rect">
             <a:avLst/>
@@ -1609,7 +1622,7 @@
       </p:sp>
       <p:pic>
         <p:nvPicPr>
-          <p:cNvPr id="91" name="" descr=""/>
+          <p:cNvPr id="84" name="" descr=""/>
           <p:cNvPicPr/>
           <p:nvPr/>
         </p:nvPicPr>
@@ -1619,8 +1632,8 @@
         </p:blipFill>
         <p:spPr>
           <a:xfrm>
-            <a:off x="4015800" y="2557080"/>
-            <a:ext cx="4159080" cy="3318480"/>
+            <a:off x="3602880" y="1604520"/>
+            <a:ext cx="4984920" cy="3977280"/>
           </a:xfrm>
           <a:prstGeom prst="rect">
             <a:avLst/>
@@ -1632,7 +1645,7 @@
       </p:pic>
       <p:pic>
         <p:nvPicPr>
-          <p:cNvPr id="92" name="" descr=""/>
+          <p:cNvPr id="85" name="" descr=""/>
           <p:cNvPicPr/>
           <p:nvPr/>
         </p:nvPicPr>
@@ -1642,8 +1655,8 @@
         </p:blipFill>
         <p:spPr>
           <a:xfrm>
-            <a:off x="4015800" y="2557080"/>
-            <a:ext cx="4159080" cy="3318480"/>
+            <a:off x="3602880" y="1604520"/>
+            <a:ext cx="4984920" cy="3977280"/>
           </a:xfrm>
           <a:prstGeom prst="rect">
             <a:avLst/>
@@ -1677,7 +1690,7 @@
       </p:grpSpPr>
       <p:sp>
         <p:nvSpPr>
-          <p:cNvPr id="17" name="PlaceHolder 1"/>
+          <p:cNvPr id="13" name="PlaceHolder 1"/>
           <p:cNvSpPr>
             <a:spLocks noGrp="1"/>
           </p:cNvSpPr>
@@ -1687,8 +1700,8 @@
         </p:nvSpPr>
         <p:spPr>
           <a:xfrm>
-            <a:off x="1295280" y="982080"/>
-            <a:ext cx="9600840" cy="1303560"/>
+            <a:off x="609480" y="273600"/>
+            <a:ext cx="10972440" cy="1144800"/>
           </a:xfrm>
           <a:prstGeom prst="rect">
             <a:avLst/>
@@ -1697,13 +1710,14 @@
         <p:txBody>
           <a:bodyPr lIns="0" rIns="0" tIns="0" bIns="0" anchor="ctr"/>
           <a:p>
-            <a:endParaRPr/>
-          </a:p>
-        </p:txBody>
-      </p:sp>
-      <p:sp>
-        <p:nvSpPr>
-          <p:cNvPr id="18" name="PlaceHolder 2"/>
+            <a:pPr algn="ctr"/>
+            <a:endParaRPr/>
+          </a:p>
+        </p:txBody>
+      </p:sp>
+      <p:sp>
+        <p:nvSpPr>
+          <p:cNvPr id="14" name="PlaceHolder 2"/>
           <p:cNvSpPr>
             <a:spLocks noGrp="1"/>
           </p:cNvSpPr>
@@ -1713,8 +1727,8 @@
         </p:nvSpPr>
         <p:spPr>
           <a:xfrm>
-            <a:off x="1295280" y="2557080"/>
-            <a:ext cx="9600840" cy="3318480"/>
+            <a:off x="609480" y="1604520"/>
+            <a:ext cx="10972440" cy="3977280"/>
           </a:xfrm>
           <a:prstGeom prst="rect">
             <a:avLst/>
@@ -1751,7 +1765,7 @@
       </p:grpSpPr>
       <p:sp>
         <p:nvSpPr>
-          <p:cNvPr id="19" name="PlaceHolder 1"/>
+          <p:cNvPr id="15" name="PlaceHolder 1"/>
           <p:cNvSpPr>
             <a:spLocks noGrp="1"/>
           </p:cNvSpPr>
@@ -1761,8 +1775,8 @@
         </p:nvSpPr>
         <p:spPr>
           <a:xfrm>
-            <a:off x="1295280" y="982080"/>
-            <a:ext cx="9600840" cy="1303560"/>
+            <a:off x="609480" y="273600"/>
+            <a:ext cx="10972440" cy="1144800"/>
           </a:xfrm>
           <a:prstGeom prst="rect">
             <a:avLst/>
@@ -1771,13 +1785,14 @@
         <p:txBody>
           <a:bodyPr lIns="0" rIns="0" tIns="0" bIns="0" anchor="ctr"/>
           <a:p>
-            <a:endParaRPr/>
-          </a:p>
-        </p:txBody>
-      </p:sp>
-      <p:sp>
-        <p:nvSpPr>
-          <p:cNvPr id="20" name="PlaceHolder 2"/>
+            <a:pPr algn="ctr"/>
+            <a:endParaRPr/>
+          </a:p>
+        </p:txBody>
+      </p:sp>
+      <p:sp>
+        <p:nvSpPr>
+          <p:cNvPr id="16" name="PlaceHolder 2"/>
           <p:cNvSpPr>
             <a:spLocks noGrp="1"/>
           </p:cNvSpPr>
@@ -1787,8 +1802,8 @@
         </p:nvSpPr>
         <p:spPr>
           <a:xfrm>
-            <a:off x="1295280" y="2557080"/>
-            <a:ext cx="4685040" cy="3318480"/>
+            <a:off x="609480" y="1604520"/>
+            <a:ext cx="5354280" cy="3977280"/>
           </a:xfrm>
           <a:prstGeom prst="rect">
             <a:avLst/>
@@ -1803,7 +1818,7 @@
       </p:sp>
       <p:sp>
         <p:nvSpPr>
-          <p:cNvPr id="21" name="PlaceHolder 3"/>
+          <p:cNvPr id="17" name="PlaceHolder 3"/>
           <p:cNvSpPr>
             <a:spLocks noGrp="1"/>
           </p:cNvSpPr>
@@ -1813,8 +1828,8 @@
         </p:nvSpPr>
         <p:spPr>
           <a:xfrm>
-            <a:off x="6215040" y="2557080"/>
-            <a:ext cx="4685040" cy="3318480"/>
+            <a:off x="6231960" y="1604520"/>
+            <a:ext cx="5354280" cy="3977280"/>
           </a:xfrm>
           <a:prstGeom prst="rect">
             <a:avLst/>
@@ -1851,7 +1866,7 @@
       </p:grpSpPr>
       <p:sp>
         <p:nvSpPr>
-          <p:cNvPr id="22" name="PlaceHolder 1"/>
+          <p:cNvPr id="18" name="PlaceHolder 1"/>
           <p:cNvSpPr>
             <a:spLocks noGrp="1"/>
           </p:cNvSpPr>
@@ -1861,8 +1876,8 @@
         </p:nvSpPr>
         <p:spPr>
           <a:xfrm>
-            <a:off x="1295280" y="982080"/>
-            <a:ext cx="9600840" cy="1303560"/>
+            <a:off x="609480" y="273600"/>
+            <a:ext cx="10972440" cy="1144800"/>
           </a:xfrm>
           <a:prstGeom prst="rect">
             <a:avLst/>
@@ -1871,6 +1886,7 @@
         <p:txBody>
           <a:bodyPr lIns="0" rIns="0" tIns="0" bIns="0" anchor="ctr"/>
           <a:p>
+            <a:pPr algn="ctr"/>
             <a:endParaRPr/>
           </a:p>
         </p:txBody>
@@ -1899,7 +1915,7 @@
       </p:grpSpPr>
       <p:sp>
         <p:nvSpPr>
-          <p:cNvPr id="23" name="PlaceHolder 1"/>
+          <p:cNvPr id="19" name="PlaceHolder 1"/>
           <p:cNvSpPr>
             <a:spLocks noGrp="1"/>
           </p:cNvSpPr>
@@ -1909,8 +1925,8 @@
         </p:nvSpPr>
         <p:spPr>
           <a:xfrm>
-            <a:off x="1295280" y="982080"/>
-            <a:ext cx="9600840" cy="6043680"/>
+            <a:off x="609480" y="273600"/>
+            <a:ext cx="10972440" cy="5307840"/>
           </a:xfrm>
           <a:prstGeom prst="rect">
             <a:avLst/>
@@ -1948,7 +1964,7 @@
       </p:grpSpPr>
       <p:sp>
         <p:nvSpPr>
-          <p:cNvPr id="24" name="PlaceHolder 1"/>
+          <p:cNvPr id="20" name="PlaceHolder 1"/>
           <p:cNvSpPr>
             <a:spLocks noGrp="1"/>
           </p:cNvSpPr>
@@ -1958,8 +1974,8 @@
         </p:nvSpPr>
         <p:spPr>
           <a:xfrm>
-            <a:off x="1295280" y="982080"/>
-            <a:ext cx="9600840" cy="1303560"/>
+            <a:off x="609480" y="273600"/>
+            <a:ext cx="10972440" cy="1144800"/>
           </a:xfrm>
           <a:prstGeom prst="rect">
             <a:avLst/>
@@ -1968,13 +1984,14 @@
         <p:txBody>
           <a:bodyPr lIns="0" rIns="0" tIns="0" bIns="0" anchor="ctr"/>
           <a:p>
-            <a:endParaRPr/>
-          </a:p>
-        </p:txBody>
-      </p:sp>
-      <p:sp>
-        <p:nvSpPr>
-          <p:cNvPr id="25" name="PlaceHolder 2"/>
+            <a:pPr algn="ctr"/>
+            <a:endParaRPr/>
+          </a:p>
+        </p:txBody>
+      </p:sp>
+      <p:sp>
+        <p:nvSpPr>
+          <p:cNvPr id="21" name="PlaceHolder 2"/>
           <p:cNvSpPr>
             <a:spLocks noGrp="1"/>
           </p:cNvSpPr>
@@ -1984,8 +2001,8 @@
         </p:nvSpPr>
         <p:spPr>
           <a:xfrm>
-            <a:off x="1295280" y="2557080"/>
-            <a:ext cx="4685040" cy="1582560"/>
+            <a:off x="609480" y="1604520"/>
+            <a:ext cx="5354280" cy="1896840"/>
           </a:xfrm>
           <a:prstGeom prst="rect">
             <a:avLst/>
@@ -2000,7 +2017,7 @@
       </p:sp>
       <p:sp>
         <p:nvSpPr>
-          <p:cNvPr id="26" name="PlaceHolder 3"/>
+          <p:cNvPr id="22" name="PlaceHolder 3"/>
           <p:cNvSpPr>
             <a:spLocks noGrp="1"/>
           </p:cNvSpPr>
@@ -2010,8 +2027,8 @@
         </p:nvSpPr>
         <p:spPr>
           <a:xfrm>
-            <a:off x="1295280" y="4290480"/>
-            <a:ext cx="4685040" cy="1582560"/>
+            <a:off x="609480" y="3682080"/>
+            <a:ext cx="5354280" cy="1896840"/>
           </a:xfrm>
           <a:prstGeom prst="rect">
             <a:avLst/>
@@ -2026,7 +2043,7 @@
       </p:sp>
       <p:sp>
         <p:nvSpPr>
-          <p:cNvPr id="27" name="PlaceHolder 4"/>
+          <p:cNvPr id="23" name="PlaceHolder 4"/>
           <p:cNvSpPr>
             <a:spLocks noGrp="1"/>
           </p:cNvSpPr>
@@ -2036,8 +2053,8 @@
         </p:nvSpPr>
         <p:spPr>
           <a:xfrm>
-            <a:off x="6215040" y="2557080"/>
-            <a:ext cx="4685040" cy="3318480"/>
+            <a:off x="6231960" y="1604520"/>
+            <a:ext cx="5354280" cy="3977280"/>
           </a:xfrm>
           <a:prstGeom prst="rect">
             <a:avLst/>
@@ -2074,7 +2091,7 @@
       </p:grpSpPr>
       <p:sp>
         <p:nvSpPr>
-          <p:cNvPr id="28" name="PlaceHolder 1"/>
+          <p:cNvPr id="24" name="PlaceHolder 1"/>
           <p:cNvSpPr>
             <a:spLocks noGrp="1"/>
           </p:cNvSpPr>
@@ -2084,8 +2101,8 @@
         </p:nvSpPr>
         <p:spPr>
           <a:xfrm>
-            <a:off x="1295280" y="982080"/>
-            <a:ext cx="9600840" cy="1303560"/>
+            <a:off x="609480" y="273600"/>
+            <a:ext cx="10972440" cy="1144800"/>
           </a:xfrm>
           <a:prstGeom prst="rect">
             <a:avLst/>
@@ -2094,13 +2111,14 @@
         <p:txBody>
           <a:bodyPr lIns="0" rIns="0" tIns="0" bIns="0" anchor="ctr"/>
           <a:p>
-            <a:endParaRPr/>
-          </a:p>
-        </p:txBody>
-      </p:sp>
-      <p:sp>
-        <p:nvSpPr>
-          <p:cNvPr id="29" name="PlaceHolder 2"/>
+            <a:pPr algn="ctr"/>
+            <a:endParaRPr/>
+          </a:p>
+        </p:txBody>
+      </p:sp>
+      <p:sp>
+        <p:nvSpPr>
+          <p:cNvPr id="25" name="PlaceHolder 2"/>
           <p:cNvSpPr>
             <a:spLocks noGrp="1"/>
           </p:cNvSpPr>
@@ -2110,8 +2128,8 @@
         </p:nvSpPr>
         <p:spPr>
           <a:xfrm>
-            <a:off x="1295280" y="2557080"/>
-            <a:ext cx="4685040" cy="3318480"/>
+            <a:off x="609480" y="1604520"/>
+            <a:ext cx="5354280" cy="3977280"/>
           </a:xfrm>
           <a:prstGeom prst="rect">
             <a:avLst/>
@@ -2126,7 +2144,7 @@
       </p:sp>
       <p:sp>
         <p:nvSpPr>
-          <p:cNvPr id="30" name="PlaceHolder 3"/>
+          <p:cNvPr id="26" name="PlaceHolder 3"/>
           <p:cNvSpPr>
             <a:spLocks noGrp="1"/>
           </p:cNvSpPr>
@@ -2136,8 +2154,8 @@
         </p:nvSpPr>
         <p:spPr>
           <a:xfrm>
-            <a:off x="6215040" y="2557080"/>
-            <a:ext cx="4685040" cy="1582560"/>
+            <a:off x="6231960" y="1604520"/>
+            <a:ext cx="5354280" cy="1896840"/>
           </a:xfrm>
           <a:prstGeom prst="rect">
             <a:avLst/>
@@ -2152,7 +2170,7 @@
       </p:sp>
       <p:sp>
         <p:nvSpPr>
-          <p:cNvPr id="31" name="PlaceHolder 4"/>
+          <p:cNvPr id="27" name="PlaceHolder 4"/>
           <p:cNvSpPr>
             <a:spLocks noGrp="1"/>
           </p:cNvSpPr>
@@ -2162,8 +2180,8 @@
         </p:nvSpPr>
         <p:spPr>
           <a:xfrm>
-            <a:off x="6215040" y="4290480"/>
-            <a:ext cx="4685040" cy="1582560"/>
+            <a:off x="6231960" y="3682080"/>
+            <a:ext cx="5354280" cy="1896840"/>
           </a:xfrm>
           <a:prstGeom prst="rect">
             <a:avLst/>
@@ -2200,7 +2218,7 @@
       </p:grpSpPr>
       <p:sp>
         <p:nvSpPr>
-          <p:cNvPr id="32" name="PlaceHolder 1"/>
+          <p:cNvPr id="28" name="PlaceHolder 1"/>
           <p:cNvSpPr>
             <a:spLocks noGrp="1"/>
           </p:cNvSpPr>
@@ -2210,8 +2228,8 @@
         </p:nvSpPr>
         <p:spPr>
           <a:xfrm>
-            <a:off x="1295280" y="982080"/>
-            <a:ext cx="9600840" cy="1303560"/>
+            <a:off x="609480" y="273600"/>
+            <a:ext cx="10972440" cy="1144800"/>
           </a:xfrm>
           <a:prstGeom prst="rect">
             <a:avLst/>
@@ -2220,13 +2238,14 @@
         <p:txBody>
           <a:bodyPr lIns="0" rIns="0" tIns="0" bIns="0" anchor="ctr"/>
           <a:p>
-            <a:endParaRPr/>
-          </a:p>
-        </p:txBody>
-      </p:sp>
-      <p:sp>
-        <p:nvSpPr>
-          <p:cNvPr id="33" name="PlaceHolder 2"/>
+            <a:pPr algn="ctr"/>
+            <a:endParaRPr/>
+          </a:p>
+        </p:txBody>
+      </p:sp>
+      <p:sp>
+        <p:nvSpPr>
+          <p:cNvPr id="29" name="PlaceHolder 2"/>
           <p:cNvSpPr>
             <a:spLocks noGrp="1"/>
           </p:cNvSpPr>
@@ -2236,8 +2255,8 @@
         </p:nvSpPr>
         <p:spPr>
           <a:xfrm>
-            <a:off x="1295280" y="2557080"/>
-            <a:ext cx="4685040" cy="1582560"/>
+            <a:off x="609480" y="1604520"/>
+            <a:ext cx="5354280" cy="1896840"/>
           </a:xfrm>
           <a:prstGeom prst="rect">
             <a:avLst/>
@@ -2252,7 +2271,7 @@
       </p:sp>
       <p:sp>
         <p:nvSpPr>
-          <p:cNvPr id="34" name="PlaceHolder 3"/>
+          <p:cNvPr id="30" name="PlaceHolder 3"/>
           <p:cNvSpPr>
             <a:spLocks noGrp="1"/>
           </p:cNvSpPr>
@@ -2262,8 +2281,8 @@
         </p:nvSpPr>
         <p:spPr>
           <a:xfrm>
-            <a:off x="6215040" y="2557080"/>
-            <a:ext cx="4685040" cy="1582560"/>
+            <a:off x="6231960" y="1604520"/>
+            <a:ext cx="5354280" cy="1896840"/>
           </a:xfrm>
           <a:prstGeom prst="rect">
             <a:avLst/>
@@ -2278,7 +2297,7 @@
       </p:sp>
       <p:sp>
         <p:nvSpPr>
-          <p:cNvPr id="35" name="PlaceHolder 4"/>
+          <p:cNvPr id="31" name="PlaceHolder 4"/>
           <p:cNvSpPr>
             <a:spLocks noGrp="1"/>
           </p:cNvSpPr>
@@ -2288,8 +2307,8 @@
         </p:nvSpPr>
         <p:spPr>
           <a:xfrm>
-            <a:off x="1295280" y="4290480"/>
-            <a:ext cx="9600840" cy="1582560"/>
+            <a:off x="609480" y="3682080"/>
+            <a:ext cx="10972440" cy="1896840"/>
           </a:xfrm>
           <a:prstGeom prst="rect">
             <a:avLst/>
@@ -2347,7 +2366,7 @@
         <p:spPr>
           <a:xfrm>
             <a:off x="0" y="0"/>
-            <a:ext cx="12188520" cy="6855840"/>
+            <a:ext cx="12187800" cy="6855120"/>
           </a:xfrm>
           <a:prstGeom prst="rect">
             <a:avLst/>
@@ -2366,13 +2385,16 @@
         <p:spPr>
           <a:xfrm>
             <a:off x="608040" y="609480"/>
-            <a:ext cx="10972440" cy="5638320"/>
+            <a:ext cx="10971720" cy="5637600"/>
           </a:xfrm>
           <a:prstGeom prst="rect">
             <a:avLst/>
           </a:prstGeom>
           <a:noFill/>
           <a:ln w="15840">
+            <a:solidFill>
+              <a:srgbClr val="4a7ebb"/>
+            </a:solidFill>
             <a:miter/>
           </a:ln>
           <a:effectLst>
@@ -2409,7 +2431,7 @@
         <p:spPr>
           <a:xfrm>
             <a:off x="-15840" y="3153960"/>
-            <a:ext cx="776880" cy="606240"/>
+            <a:ext cx="776160" cy="605520"/>
           </a:xfrm>
           <a:prstGeom prst="rect">
             <a:avLst/>
@@ -2432,7 +2454,7 @@
         <p:spPr>
           <a:xfrm>
             <a:off x="11436840" y="3153960"/>
-            <a:ext cx="776880" cy="606240"/>
+            <a:ext cx="776160" cy="605520"/>
           </a:xfrm>
           <a:prstGeom prst="rect">
             <a:avLst/>
@@ -2455,7 +2477,7 @@
         <p:spPr>
           <a:xfrm>
             <a:off x="0" y="0"/>
-            <a:ext cx="12188520" cy="6855840"/>
+            <a:ext cx="12187800" cy="6855120"/>
           </a:xfrm>
           <a:prstGeom prst="rect">
             <a:avLst/>
@@ -2474,13 +2496,16 @@
         <p:spPr>
           <a:xfrm>
             <a:off x="2328480" y="1540800"/>
-            <a:ext cx="7543440" cy="3835080"/>
+            <a:ext cx="7542720" cy="3834360"/>
           </a:xfrm>
           <a:prstGeom prst="rect">
             <a:avLst/>
           </a:prstGeom>
           <a:noFill/>
           <a:ln w="15840">
+            <a:solidFill>
+              <a:srgbClr val="4a7ebb"/>
+            </a:solidFill>
             <a:miter/>
           </a:ln>
           <a:effectLst>
@@ -2517,7 +2542,7 @@
         <p:spPr>
           <a:xfrm>
             <a:off x="-16920" y="3147480"/>
-            <a:ext cx="2477520" cy="612360"/>
+            <a:ext cx="2476800" cy="611640"/>
           </a:xfrm>
           <a:prstGeom prst="rect">
             <a:avLst/>
@@ -2540,7 +2565,7 @@
         <p:spPr>
           <a:xfrm>
             <a:off x="9736200" y="3147480"/>
-            <a:ext cx="2477520" cy="612360"/>
+            <a:ext cx="2476800" cy="611640"/>
           </a:xfrm>
           <a:prstGeom prst="rect">
             <a:avLst/>
@@ -2552,213 +2577,7 @@
       </p:pic>
       <p:sp>
         <p:nvSpPr>
-          <p:cNvPr id="8" name="PlaceHolder 3"/>
-          <p:cNvSpPr>
-            <a:spLocks noGrp="1"/>
-          </p:cNvSpPr>
-          <p:nvPr>
-            <p:ph type="title"/>
-          </p:nvPr>
-        </p:nvSpPr>
-        <p:spPr>
-          <a:xfrm>
-            <a:off x="2692440" y="1871280"/>
-            <a:ext cx="6815160" cy="1515240"/>
-          </a:xfrm>
-          <a:prstGeom prst="rect">
-            <a:avLst/>
-          </a:prstGeom>
-        </p:spPr>
-        <p:txBody>
-          <a:bodyPr anchor="b"/>
-          <a:p>
-            <a:pPr algn="ctr">
-              <a:lnSpc>
-                <a:spcPct val="100000"/>
-              </a:lnSpc>
-            </a:pPr>
-            <a:r>
-              <a:rPr lang="en-US" sz="5400" spc="-1" strike="noStrike">
-                <a:solidFill>
-                  <a:srgbClr val="262626"/>
-                </a:solidFill>
-                <a:uFill>
-                  <a:solidFill>
-                    <a:srgbClr val="ffffff"/>
-                  </a:solidFill>
-                </a:uFill>
-                <a:latin typeface="Garamond"/>
-              </a:rPr>
-              <a:t>Click to edit Master title style</a:t>
-            </a:r>
-            <a:endParaRPr/>
-          </a:p>
-        </p:txBody>
-      </p:sp>
-      <p:sp>
-        <p:nvSpPr>
-          <p:cNvPr id="9" name="PlaceHolder 4"/>
-          <p:cNvSpPr>
-            <a:spLocks noGrp="1"/>
-          </p:cNvSpPr>
-          <p:nvPr>
-            <p:ph type="subTitle"/>
-          </p:nvPr>
-        </p:nvSpPr>
-        <p:spPr>
-          <a:xfrm>
-            <a:off x="2692440" y="3657600"/>
-            <a:ext cx="6815160" cy="1320480"/>
-          </a:xfrm>
-          <a:prstGeom prst="rect">
-            <a:avLst/>
-          </a:prstGeom>
-        </p:spPr>
-        <p:txBody>
-          <a:bodyPr/>
-          <a:p>
-            <a:pPr algn="ctr">
-              <a:lnSpc>
-                <a:spcPct val="100000"/>
-              </a:lnSpc>
-            </a:pPr>
-            <a:r>
-              <a:rPr lang="en-US" sz="2100" spc="-1" strike="noStrike">
-                <a:solidFill>
-                  <a:srgbClr val="000000"/>
-                </a:solidFill>
-                <a:uFill>
-                  <a:solidFill>
-                    <a:srgbClr val="ffffff"/>
-                  </a:solidFill>
-                </a:uFill>
-                <a:latin typeface="Garamond"/>
-              </a:rPr>
-              <a:t>Click to edit Master subtitle style</a:t>
-            </a:r>
-            <a:endParaRPr/>
-          </a:p>
-        </p:txBody>
-      </p:sp>
-      <p:sp>
-        <p:nvSpPr>
-          <p:cNvPr id="10" name="PlaceHolder 5"/>
-          <p:cNvSpPr>
-            <a:spLocks noGrp="1"/>
-          </p:cNvSpPr>
-          <p:nvPr>
-            <p:ph type="dt"/>
-          </p:nvPr>
-        </p:nvSpPr>
-        <p:spPr>
-          <a:xfrm>
-            <a:off x="7983360" y="5037840"/>
-            <a:ext cx="897120" cy="279000"/>
-          </a:xfrm>
-          <a:prstGeom prst="rect">
-            <a:avLst/>
-          </a:prstGeom>
-        </p:spPr>
-        <p:txBody>
-          <a:bodyPr anchor="ctr"/>
-          <a:p>
-            <a:pPr algn="r">
-              <a:lnSpc>
-                <a:spcPct val="100000"/>
-              </a:lnSpc>
-            </a:pPr>
-            <a:r>
-              <a:rPr lang="en-US" sz="1000" spc="-1" strike="noStrike">
-                <a:solidFill>
-                  <a:srgbClr val="000000"/>
-                </a:solidFill>
-                <a:uFill>
-                  <a:solidFill>
-                    <a:srgbClr val="ffffff"/>
-                  </a:solidFill>
-                </a:uFill>
-                <a:latin typeface="Garamond"/>
-              </a:rPr>
-              <a:t>5/4/16</a:t>
-            </a:r>
-            <a:endParaRPr/>
-          </a:p>
-        </p:txBody>
-      </p:sp>
-      <p:sp>
-        <p:nvSpPr>
-          <p:cNvPr id="11" name="PlaceHolder 6"/>
-          <p:cNvSpPr>
-            <a:spLocks noGrp="1"/>
-          </p:cNvSpPr>
-          <p:nvPr>
-            <p:ph type="ftr"/>
-          </p:nvPr>
-        </p:nvSpPr>
-        <p:spPr>
-          <a:xfrm>
-            <a:off x="2692440" y="5037840"/>
-            <a:ext cx="5214240" cy="279000"/>
-          </a:xfrm>
-          <a:prstGeom prst="rect">
-            <a:avLst/>
-          </a:prstGeom>
-        </p:spPr>
-        <p:txBody>
-          <a:bodyPr anchor="ctr"/>
-          <a:p>
-            <a:endParaRPr/>
-          </a:p>
-        </p:txBody>
-      </p:sp>
-      <p:sp>
-        <p:nvSpPr>
-          <p:cNvPr id="12" name="PlaceHolder 7"/>
-          <p:cNvSpPr>
-            <a:spLocks noGrp="1"/>
-          </p:cNvSpPr>
-          <p:nvPr>
-            <p:ph type="sldNum"/>
-          </p:nvPr>
-        </p:nvSpPr>
-        <p:spPr>
-          <a:xfrm>
-            <a:off x="8956800" y="5037840"/>
-            <a:ext cx="550800" cy="279000"/>
-          </a:xfrm>
-          <a:prstGeom prst="rect">
-            <a:avLst/>
-          </a:prstGeom>
-        </p:spPr>
-        <p:txBody>
-          <a:bodyPr anchor="ctr"/>
-          <a:p>
-            <a:pPr algn="r">
-              <a:lnSpc>
-                <a:spcPct val="100000"/>
-              </a:lnSpc>
-            </a:pPr>
-            <a:fld id="{6FF7F40C-2EC8-4653-AC7A-94E2D0DB4882}" type="slidenum">
-              <a:rPr lang="en-US" sz="1000" spc="-1" strike="noStrike">
-                <a:solidFill>
-                  <a:srgbClr val="000000"/>
-                </a:solidFill>
-                <a:uFill>
-                  <a:solidFill>
-                    <a:srgbClr val="ffffff"/>
-                  </a:solidFill>
-                </a:uFill>
-                <a:latin typeface="Garamond"/>
-              </a:rPr>
-              <a:t>&lt;number&gt;</a:t>
-            </a:fld>
-            <a:endParaRPr/>
-          </a:p>
-        </p:txBody>
-      </p:sp>
-      <p:sp>
-        <p:nvSpPr>
-          <p:cNvPr id="13" name="Line 8"/>
+          <p:cNvPr id="8" name="Line 3"/>
           <p:cNvSpPr/>
           <p:nvPr/>
         </p:nvSpPr>
@@ -2789,7 +2608,34 @@
       </p:sp>
       <p:sp>
         <p:nvSpPr>
-          <p:cNvPr id="14" name="PlaceHolder 9"/>
+          <p:cNvPr id="9" name="PlaceHolder 4"/>
+          <p:cNvSpPr>
+            <a:spLocks noGrp="1"/>
+          </p:cNvSpPr>
+          <p:nvPr>
+            <p:ph type="title"/>
+          </p:nvPr>
+        </p:nvSpPr>
+        <p:spPr>
+          <a:xfrm>
+            <a:off x="609480" y="273600"/>
+            <a:ext cx="10972080" cy="1144440"/>
+          </a:xfrm>
+          <a:prstGeom prst="rect">
+            <a:avLst/>
+          </a:prstGeom>
+        </p:spPr>
+        <p:txBody>
+          <a:bodyPr lIns="0" rIns="0" tIns="0" bIns="0" anchor="ctr"/>
+          <a:p>
+            <a:pPr algn="ctr"/>
+            <a:endParaRPr/>
+          </a:p>
+        </p:txBody>
+      </p:sp>
+      <p:sp>
+        <p:nvSpPr>
+          <p:cNvPr id="10" name="PlaceHolder 5"/>
           <p:cNvSpPr>
             <a:spLocks noGrp="1"/>
           </p:cNvSpPr>
@@ -2800,7 +2646,7 @@
         <p:spPr>
           <a:xfrm>
             <a:off x="609480" y="1604520"/>
-            <a:ext cx="10972440" cy="3977280"/>
+            <a:ext cx="10972080" cy="3976920"/>
           </a:xfrm>
           <a:prstGeom prst="rect">
             <a:avLst/>
@@ -2818,8 +2664,8 @@
               <a:buChar char=""/>
             </a:pPr>
             <a:r>
-              <a:rPr lang="en-US" sz="2400" spc="-1">
-                <a:latin typeface="Garamond"/>
+              <a:rPr lang="en-US" sz="1800" spc="-1">
+                <a:latin typeface="Arial"/>
               </a:rPr>
               <a:t>Click to edit the outline text format</a:t>
             </a:r>
@@ -2836,7 +2682,7 @@
             </a:pPr>
             <a:r>
               <a:rPr lang="en-US" sz="1800" spc="-1">
-                <a:latin typeface="Garamond"/>
+                <a:latin typeface="Arial"/>
               </a:rPr>
               <a:t>Second Outline Level</a:t>
             </a:r>
@@ -2852,8 +2698,8 @@
               <a:buChar char=""/>
             </a:pPr>
             <a:r>
-              <a:rPr lang="en-US" sz="1600" spc="-1">
-                <a:latin typeface="Garamond"/>
+              <a:rPr lang="en-US" sz="1800" spc="-1">
+                <a:latin typeface="Arial"/>
               </a:rPr>
               <a:t>Third Outline Level</a:t>
             </a:r>
@@ -2869,8 +2715,8 @@
               <a:buChar char=""/>
             </a:pPr>
             <a:r>
-              <a:rPr lang="en-US" sz="1400" spc="-1">
-                <a:latin typeface="Garamond"/>
+              <a:rPr lang="en-US" sz="1800" spc="-1">
+                <a:latin typeface="Arial"/>
               </a:rPr>
               <a:t>Fourth Outline Level</a:t>
             </a:r>
@@ -2886,8 +2732,8 @@
               <a:buChar char=""/>
             </a:pPr>
             <a:r>
-              <a:rPr lang="en-US" sz="2000" spc="-1">
-                <a:latin typeface="Garamond"/>
+              <a:rPr lang="en-US" sz="1800" spc="-1">
+                <a:latin typeface="Arial"/>
               </a:rPr>
               <a:t>Fifth Outline Level</a:t>
             </a:r>
@@ -2903,8 +2749,8 @@
               <a:buChar char=""/>
             </a:pPr>
             <a:r>
-              <a:rPr lang="en-US" sz="2000" spc="-1">
-                <a:latin typeface="Garamond"/>
+              <a:rPr lang="en-US" sz="1800" spc="-1">
+                <a:latin typeface="Arial"/>
               </a:rPr>
               <a:t>Sixth Outline Level</a:t>
             </a:r>
@@ -2920,8 +2766,8 @@
               <a:buChar char=""/>
             </a:pPr>
             <a:r>
-              <a:rPr lang="en-US" sz="2000" spc="-1">
-                <a:latin typeface="Garamond"/>
+              <a:rPr lang="en-US" sz="1800" spc="-1">
+                <a:latin typeface="Arial"/>
               </a:rPr>
               <a:t>Seventh Outline Level</a:t>
             </a:r>
@@ -2978,7 +2824,7 @@
       </p:grpSpPr>
       <p:pic>
         <p:nvPicPr>
-          <p:cNvPr id="49" name="Picture 7" descr=""/>
+          <p:cNvPr id="45" name="Picture 7" descr=""/>
           <p:cNvPicPr/>
           <p:nvPr/>
         </p:nvPicPr>
@@ -2989,7 +2835,7 @@
         <p:spPr>
           <a:xfrm>
             <a:off x="0" y="0"/>
-            <a:ext cx="12188520" cy="6855840"/>
+            <a:ext cx="12187800" cy="6855120"/>
           </a:xfrm>
           <a:prstGeom prst="rect">
             <a:avLst/>
@@ -3001,20 +2847,23 @@
       </p:pic>
       <p:sp>
         <p:nvSpPr>
-          <p:cNvPr id="50" name="CustomShape 1"/>
+          <p:cNvPr id="46" name="CustomShape 1"/>
           <p:cNvSpPr/>
           <p:nvPr/>
         </p:nvSpPr>
         <p:spPr>
           <a:xfrm>
             <a:off x="608040" y="609480"/>
-            <a:ext cx="10972440" cy="5638320"/>
+            <a:ext cx="10971720" cy="5637600"/>
           </a:xfrm>
           <a:prstGeom prst="rect">
             <a:avLst/>
           </a:prstGeom>
           <a:noFill/>
           <a:ln w="15840">
+            <a:solidFill>
+              <a:srgbClr val="4a7ebb"/>
+            </a:solidFill>
             <a:miter/>
           </a:ln>
           <a:effectLst>
@@ -3040,7 +2889,7 @@
       </p:sp>
       <p:pic>
         <p:nvPicPr>
-          <p:cNvPr id="51" name="Picture 9" descr=""/>
+          <p:cNvPr id="47" name="Picture 9" descr=""/>
           <p:cNvPicPr/>
           <p:nvPr/>
         </p:nvPicPr>
@@ -3051,7 +2900,7 @@
         <p:spPr>
           <a:xfrm>
             <a:off x="-15840" y="3153960"/>
-            <a:ext cx="776880" cy="606240"/>
+            <a:ext cx="776160" cy="605520"/>
           </a:xfrm>
           <a:prstGeom prst="rect">
             <a:avLst/>
@@ -3063,7 +2912,7 @@
       </p:pic>
       <p:pic>
         <p:nvPicPr>
-          <p:cNvPr id="52" name="Picture 10" descr=""/>
+          <p:cNvPr id="48" name="Picture 10" descr=""/>
           <p:cNvPicPr/>
           <p:nvPr/>
         </p:nvPicPr>
@@ -3074,7 +2923,7 @@
         <p:spPr>
           <a:xfrm>
             <a:off x="11436840" y="3153960"/>
-            <a:ext cx="776880" cy="606240"/>
+            <a:ext cx="776160" cy="605520"/>
           </a:xfrm>
           <a:prstGeom prst="rect">
             <a:avLst/>
@@ -3086,7 +2935,7 @@
       </p:pic>
       <p:sp>
         <p:nvSpPr>
-          <p:cNvPr id="53" name="Line 2"/>
+          <p:cNvPr id="49" name="Line 2"/>
           <p:cNvSpPr/>
           <p:nvPr/>
         </p:nvSpPr>
@@ -3117,7 +2966,7 @@
       </p:sp>
       <p:sp>
         <p:nvSpPr>
-          <p:cNvPr id="54" name="PlaceHolder 3"/>
+          <p:cNvPr id="50" name="PlaceHolder 3"/>
           <p:cNvSpPr>
             <a:spLocks noGrp="1"/>
           </p:cNvSpPr>
@@ -3127,34 +2976,22 @@
         </p:nvSpPr>
         <p:spPr>
           <a:xfrm>
-            <a:off x="1295280" y="982080"/>
-            <a:ext cx="9600840" cy="1303560"/>
-          </a:xfrm>
-          <a:prstGeom prst="rect">
-            <a:avLst/>
-          </a:prstGeom>
-        </p:spPr>
-        <p:txBody>
-          <a:bodyPr anchor="ctr"/>
-          <a:p>
-            <a:pPr algn="ctr">
-              <a:lnSpc>
-                <a:spcPct val="100000"/>
-              </a:lnSpc>
-            </a:pPr>
+            <a:off x="609480" y="273600"/>
+            <a:ext cx="10972440" cy="1144800"/>
+          </a:xfrm>
+          <a:prstGeom prst="rect">
+            <a:avLst/>
+          </a:prstGeom>
+        </p:spPr>
+        <p:txBody>
+          <a:bodyPr lIns="0" rIns="0" tIns="0" bIns="0" anchor="ctr"/>
+          <a:p>
+            <a:pPr algn="ctr"/>
             <a:r>
-              <a:rPr lang="en-US" sz="4400" spc="-1" strike="noStrike">
-                <a:solidFill>
-                  <a:srgbClr val="262626"/>
-                </a:solidFill>
-                <a:uFill>
-                  <a:solidFill>
-                    <a:srgbClr val="ffffff"/>
-                  </a:solidFill>
-                </a:uFill>
-                <a:latin typeface="Garamond"/>
+              <a:rPr lang="en-US" sz="4400" spc="-1">
+                <a:latin typeface="Arial"/>
               </a:rPr>
-              <a:t>Click to edit Master title style</a:t>
+              <a:t>Click to edit the title text format</a:t>
             </a:r>
             <a:endParaRPr/>
           </a:p>
@@ -3162,7 +2999,7 @@
       </p:sp>
       <p:sp>
         <p:nvSpPr>
-          <p:cNvPr id="55" name="PlaceHolder 4"/>
+          <p:cNvPr id="51" name="PlaceHolder 4"/>
           <p:cNvSpPr>
             <a:spLocks noGrp="1"/>
           </p:cNvSpPr>
@@ -3172,15 +3009,15 @@
         </p:nvSpPr>
         <p:spPr>
           <a:xfrm>
-            <a:off x="1295280" y="2557080"/>
-            <a:ext cx="9600840" cy="3318480"/>
-          </a:xfrm>
-          <a:prstGeom prst="rect">
-            <a:avLst/>
-          </a:prstGeom>
-        </p:spPr>
-        <p:txBody>
-          <a:bodyPr/>
+            <a:off x="609480" y="1604520"/>
+            <a:ext cx="10972440" cy="3977280"/>
+          </a:xfrm>
+          <a:prstGeom prst="rect">
+            <a:avLst/>
+          </a:prstGeom>
+        </p:spPr>
+        <p:txBody>
+          <a:bodyPr lIns="0" rIns="0" tIns="0" bIns="0"/>
           <a:p>
             <a:pPr marL="432000" indent="-324000">
               <a:buClr>
@@ -3191,16 +3028,8 @@
               <a:buChar char=""/>
             </a:pPr>
             <a:r>
-              <a:rPr lang="en-US" sz="2400" spc="-1" strike="noStrike">
-                <a:solidFill>
-                  <a:srgbClr val="262626"/>
-                </a:solidFill>
-                <a:uFill>
-                  <a:solidFill>
-                    <a:srgbClr val="ffffff"/>
-                  </a:solidFill>
-                </a:uFill>
-                <a:latin typeface="Garamond"/>
+              <a:rPr lang="en-US" sz="3200" spc="-1">
+                <a:latin typeface="Arial"/>
               </a:rPr>
               <a:t>Click to edit the outline text format</a:t>
             </a:r>
@@ -3216,16 +3045,8 @@
               <a:buChar char=""/>
             </a:pPr>
             <a:r>
-              <a:rPr lang="en-US" sz="2400" spc="-1" strike="noStrike">
-                <a:solidFill>
-                  <a:srgbClr val="262626"/>
-                </a:solidFill>
-                <a:uFill>
-                  <a:solidFill>
-                    <a:srgbClr val="ffffff"/>
-                  </a:solidFill>
-                </a:uFill>
-                <a:latin typeface="Garamond"/>
+              <a:rPr lang="en-US" sz="2800" spc="-1">
+                <a:latin typeface="Arial"/>
               </a:rPr>
               <a:t>Second Outline Level</a:t>
             </a:r>
@@ -3241,16 +3062,8 @@
               <a:buChar char=""/>
             </a:pPr>
             <a:r>
-              <a:rPr lang="en-US" sz="2400" spc="-1" strike="noStrike">
-                <a:solidFill>
-                  <a:srgbClr val="262626"/>
-                </a:solidFill>
-                <a:uFill>
-                  <a:solidFill>
-                    <a:srgbClr val="ffffff"/>
-                  </a:solidFill>
-                </a:uFill>
-                <a:latin typeface="Garamond"/>
+              <a:rPr lang="en-US" sz="2400" spc="-1">
+                <a:latin typeface="Arial"/>
               </a:rPr>
               <a:t>Third Outline Level</a:t>
             </a:r>
@@ -3266,16 +3079,8 @@
               <a:buChar char=""/>
             </a:pPr>
             <a:r>
-              <a:rPr lang="en-US" sz="2400" spc="-1" strike="noStrike">
-                <a:solidFill>
-                  <a:srgbClr val="262626"/>
-                </a:solidFill>
-                <a:uFill>
-                  <a:solidFill>
-                    <a:srgbClr val="ffffff"/>
-                  </a:solidFill>
-                </a:uFill>
-                <a:latin typeface="Garamond"/>
+              <a:rPr lang="en-US" sz="2000" spc="-1">
+                <a:latin typeface="Arial"/>
               </a:rPr>
               <a:t>Fourth Outline Level</a:t>
             </a:r>
@@ -3291,16 +3096,8 @@
               <a:buChar char=""/>
             </a:pPr>
             <a:r>
-              <a:rPr lang="en-US" sz="2400" spc="-1" strike="noStrike">
-                <a:solidFill>
-                  <a:srgbClr val="262626"/>
-                </a:solidFill>
-                <a:uFill>
-                  <a:solidFill>
-                    <a:srgbClr val="ffffff"/>
-                  </a:solidFill>
-                </a:uFill>
-                <a:latin typeface="Garamond"/>
+              <a:rPr lang="en-US" sz="2000" spc="-1">
+                <a:latin typeface="Arial"/>
               </a:rPr>
               <a:t>Fifth Outline Level</a:t>
             </a:r>
@@ -3316,275 +3113,28 @@
               <a:buChar char=""/>
             </a:pPr>
             <a:r>
-              <a:rPr lang="en-US" sz="2400" spc="-1" strike="noStrike">
-                <a:solidFill>
-                  <a:srgbClr val="262626"/>
-                </a:solidFill>
-                <a:uFill>
-                  <a:solidFill>
-                    <a:srgbClr val="ffffff"/>
-                  </a:solidFill>
-                </a:uFill>
-                <a:latin typeface="Garamond"/>
+              <a:rPr lang="en-US" sz="2000" spc="-1">
+                <a:latin typeface="Arial"/>
               </a:rPr>
               <a:t>Sixth Outline Level</a:t>
             </a:r>
             <a:endParaRPr/>
           </a:p>
           <a:p>
-            <a:pPr marL="285840" indent="-285480">
-              <a:lnSpc>
-                <a:spcPct val="100000"/>
-              </a:lnSpc>
+            <a:pPr lvl="6" marL="3024000" indent="-216000">
               <a:buClr>
-                <a:srgbClr val="83992a"/>
+                <a:srgbClr val="ffffff"/>
               </a:buClr>
-              <a:buSzPct val="115000"/>
-              <a:buFont typeface="Arial"/>
-              <a:buChar char="•"/>
+              <a:buSzPct val="45000"/>
+              <a:buFont typeface="Wingdings" charset="2"/>
+              <a:buChar char=""/>
             </a:pPr>
             <a:r>
-              <a:rPr lang="en-US" sz="2400" spc="-1" strike="noStrike">
-                <a:solidFill>
-                  <a:srgbClr val="262626"/>
-                </a:solidFill>
-                <a:uFill>
-                  <a:solidFill>
-                    <a:srgbClr val="ffffff"/>
-                  </a:solidFill>
-                </a:uFill>
-                <a:latin typeface="Garamond"/>
+              <a:rPr lang="en-US" sz="2000" spc="-1">
+                <a:latin typeface="Arial"/>
               </a:rPr>
-              <a:t>Seventh Outline LevelClick to edit Master text styles</a:t>
+              <a:t>Seventh Outline Level</a:t>
             </a:r>
-            <a:endParaRPr/>
-          </a:p>
-          <a:p>
-            <a:pPr lvl="1" marL="743040" indent="-285480">
-              <a:lnSpc>
-                <a:spcPct val="100000"/>
-              </a:lnSpc>
-              <a:buClr>
-                <a:srgbClr val="83992a"/>
-              </a:buClr>
-              <a:buSzPct val="115000"/>
-              <a:buFont typeface="Arial"/>
-              <a:buChar char="•"/>
-            </a:pPr>
-            <a:r>
-              <a:rPr lang="en-US" sz="2000" spc="-1" strike="noStrike">
-                <a:solidFill>
-                  <a:srgbClr val="262626"/>
-                </a:solidFill>
-                <a:uFill>
-                  <a:solidFill>
-                    <a:srgbClr val="ffffff"/>
-                  </a:solidFill>
-                </a:uFill>
-                <a:latin typeface="Garamond"/>
-              </a:rPr>
-              <a:t>Second level</a:t>
-            </a:r>
-            <a:endParaRPr/>
-          </a:p>
-          <a:p>
-            <a:pPr lvl="2" marL="1200240" indent="-285480">
-              <a:lnSpc>
-                <a:spcPct val="100000"/>
-              </a:lnSpc>
-              <a:buClr>
-                <a:srgbClr val="83992a"/>
-              </a:buClr>
-              <a:buSzPct val="115000"/>
-              <a:buFont typeface="Arial"/>
-              <a:buChar char="•"/>
-            </a:pPr>
-            <a:r>
-              <a:rPr lang="en-US" sz="1800" spc="-1" strike="noStrike">
-                <a:solidFill>
-                  <a:srgbClr val="262626"/>
-                </a:solidFill>
-                <a:uFill>
-                  <a:solidFill>
-                    <a:srgbClr val="ffffff"/>
-                  </a:solidFill>
-                </a:uFill>
-                <a:latin typeface="Garamond"/>
-              </a:rPr>
-              <a:t>Third level</a:t>
-            </a:r>
-            <a:endParaRPr/>
-          </a:p>
-          <a:p>
-            <a:pPr lvl="3" marL="1542960" indent="-171000">
-              <a:lnSpc>
-                <a:spcPct val="100000"/>
-              </a:lnSpc>
-              <a:buClr>
-                <a:srgbClr val="83992a"/>
-              </a:buClr>
-              <a:buSzPct val="115000"/>
-              <a:buFont typeface="Arial"/>
-              <a:buChar char="•"/>
-            </a:pPr>
-            <a:r>
-              <a:rPr lang="en-US" sz="1600" spc="-1" strike="noStrike">
-                <a:solidFill>
-                  <a:srgbClr val="262626"/>
-                </a:solidFill>
-                <a:uFill>
-                  <a:solidFill>
-                    <a:srgbClr val="ffffff"/>
-                  </a:solidFill>
-                </a:uFill>
-                <a:latin typeface="Garamond"/>
-              </a:rPr>
-              <a:t>Fourth level</a:t>
-            </a:r>
-            <a:endParaRPr/>
-          </a:p>
-          <a:p>
-            <a:pPr lvl="4" marL="2000160" indent="-171000">
-              <a:lnSpc>
-                <a:spcPct val="100000"/>
-              </a:lnSpc>
-              <a:buClr>
-                <a:srgbClr val="83992a"/>
-              </a:buClr>
-              <a:buSzPct val="115000"/>
-              <a:buFont typeface="Arial"/>
-              <a:buChar char="•"/>
-            </a:pPr>
-            <a:r>
-              <a:rPr lang="en-US" sz="1400" spc="-1" strike="noStrike">
-                <a:solidFill>
-                  <a:srgbClr val="262626"/>
-                </a:solidFill>
-                <a:uFill>
-                  <a:solidFill>
-                    <a:srgbClr val="ffffff"/>
-                  </a:solidFill>
-                </a:uFill>
-                <a:latin typeface="Garamond"/>
-              </a:rPr>
-              <a:t>Fifth level</a:t>
-            </a:r>
-            <a:endParaRPr/>
-          </a:p>
-        </p:txBody>
-      </p:sp>
-      <p:sp>
-        <p:nvSpPr>
-          <p:cNvPr id="56" name="PlaceHolder 5"/>
-          <p:cNvSpPr>
-            <a:spLocks noGrp="1"/>
-          </p:cNvSpPr>
-          <p:nvPr>
-            <p:ph type="dt"/>
-          </p:nvPr>
-        </p:nvSpPr>
-        <p:spPr>
-          <a:xfrm>
-            <a:off x="8677440" y="5969160"/>
-            <a:ext cx="1599840" cy="279000"/>
-          </a:xfrm>
-          <a:prstGeom prst="rect">
-            <a:avLst/>
-          </a:prstGeom>
-        </p:spPr>
-        <p:txBody>
-          <a:bodyPr anchor="ctr"/>
-          <a:p>
-            <a:pPr algn="r">
-              <a:lnSpc>
-                <a:spcPct val="100000"/>
-              </a:lnSpc>
-            </a:pPr>
-            <a:r>
-              <a:rPr lang="en-US" sz="1000" spc="-1" strike="noStrike">
-                <a:solidFill>
-                  <a:srgbClr val="000000"/>
-                </a:solidFill>
-                <a:uFill>
-                  <a:solidFill>
-                    <a:srgbClr val="ffffff"/>
-                  </a:solidFill>
-                </a:uFill>
-                <a:latin typeface="Garamond"/>
-              </a:rPr>
-              <a:t>5/4/16</a:t>
-            </a:r>
-            <a:endParaRPr/>
-          </a:p>
-        </p:txBody>
-      </p:sp>
-      <p:sp>
-        <p:nvSpPr>
-          <p:cNvPr id="57" name="PlaceHolder 6"/>
-          <p:cNvSpPr>
-            <a:spLocks noGrp="1"/>
-          </p:cNvSpPr>
-          <p:nvPr>
-            <p:ph type="ftr"/>
-          </p:nvPr>
-        </p:nvSpPr>
-        <p:spPr>
-          <a:xfrm>
-            <a:off x="1295280" y="5969160"/>
-            <a:ext cx="7305480" cy="279000"/>
-          </a:xfrm>
-          <a:prstGeom prst="rect">
-            <a:avLst/>
-          </a:prstGeom>
-        </p:spPr>
-        <p:txBody>
-          <a:bodyPr anchor="ctr"/>
-          <a:p>
-            <a:endParaRPr/>
-          </a:p>
-        </p:txBody>
-      </p:sp>
-      <p:sp>
-        <p:nvSpPr>
-          <p:cNvPr id="58" name="PlaceHolder 7"/>
-          <p:cNvSpPr>
-            <a:spLocks noGrp="1"/>
-          </p:cNvSpPr>
-          <p:nvPr>
-            <p:ph type="sldNum"/>
-          </p:nvPr>
-        </p:nvSpPr>
-        <p:spPr>
-          <a:xfrm>
-            <a:off x="10353960" y="5969160"/>
-            <a:ext cx="542160" cy="279000"/>
-          </a:xfrm>
-          <a:prstGeom prst="rect">
-            <a:avLst/>
-          </a:prstGeom>
-        </p:spPr>
-        <p:txBody>
-          <a:bodyPr anchor="ctr"/>
-          <a:p>
-            <a:pPr algn="r">
-              <a:lnSpc>
-                <a:spcPct val="100000"/>
-              </a:lnSpc>
-            </a:pPr>
-            <a:fld id="{049F67FA-8AE9-434F-831A-50CE894848C3}" type="slidenum">
-              <a:rPr lang="en-US" sz="1000" spc="-1" strike="noStrike">
-                <a:solidFill>
-                  <a:srgbClr val="000000"/>
-                </a:solidFill>
-                <a:uFill>
-                  <a:solidFill>
-                    <a:srgbClr val="ffffff"/>
-                  </a:solidFill>
-                </a:uFill>
-                <a:latin typeface="Garamond"/>
-              </a:rPr>
-              <a:t>&lt;number&gt;</a:t>
-            </a:fld>
             <a:endParaRPr/>
           </a:p>
         </p:txBody>
@@ -3628,14 +3178,14 @@
       </p:grpSpPr>
       <p:sp>
         <p:nvSpPr>
-          <p:cNvPr id="93" name="TextShape 1"/>
-          <p:cNvSpPr txBox="1"/>
+          <p:cNvPr id="86" name="CustomShape 1"/>
+          <p:cNvSpPr/>
           <p:nvPr/>
         </p:nvSpPr>
         <p:spPr>
           <a:xfrm>
             <a:off x="2692440" y="1871280"/>
-            <a:ext cx="6815160" cy="1515240"/>
+            <a:ext cx="6814440" cy="1514520"/>
           </a:xfrm>
           <a:prstGeom prst="rect">
             <a:avLst/>
@@ -3645,8 +3195,14 @@
             <a:noFill/>
           </a:ln>
         </p:spPr>
-        <p:txBody>
-          <a:bodyPr anchor="b"/>
+        <p:style>
+          <a:lnRef idx="0"/>
+          <a:fillRef idx="0"/>
+          <a:effectRef idx="0"/>
+          <a:fontRef idx="minor"/>
+        </p:style>
+        <p:txBody>
+          <a:bodyPr lIns="90000" rIns="90000" tIns="45000" bIns="45000" anchor="b"/>
           <a:p>
             <a:pPr algn="ctr">
               <a:lnSpc>
@@ -3664,6 +3220,7 @@
                   </a:solidFill>
                 </a:uFill>
                 <a:latin typeface="Garamond"/>
+                <a:ea typeface="DejaVu Sans"/>
               </a:rPr>
               <a:t>Medication recommendation</a:t>
             </a:r>
@@ -3673,14 +3230,14 @@
       </p:sp>
       <p:sp>
         <p:nvSpPr>
-          <p:cNvPr id="94" name="TextShape 2"/>
-          <p:cNvSpPr txBox="1"/>
+          <p:cNvPr id="87" name="CustomShape 2"/>
+          <p:cNvSpPr/>
           <p:nvPr/>
         </p:nvSpPr>
         <p:spPr>
           <a:xfrm>
             <a:off x="2692440" y="3657600"/>
-            <a:ext cx="6815160" cy="1320480"/>
+            <a:ext cx="6814440" cy="1319760"/>
           </a:xfrm>
           <a:prstGeom prst="rect">
             <a:avLst/>
@@ -3690,8 +3247,14 @@
             <a:noFill/>
           </a:ln>
         </p:spPr>
-        <p:txBody>
-          <a:bodyPr/>
+        <p:style>
+          <a:lnRef idx="0"/>
+          <a:fillRef idx="0"/>
+          <a:effectRef idx="0"/>
+          <a:fontRef idx="minor"/>
+        </p:style>
+        <p:txBody>
+          <a:bodyPr lIns="90000" rIns="90000" tIns="45000" bIns="45000"/>
           <a:p>
             <a:pPr algn="ctr">
               <a:lnSpc>
@@ -3709,6 +3272,7 @@
                   </a:solidFill>
                 </a:uFill>
                 <a:latin typeface="Garamond"/>
+                <a:ea typeface="DejaVu Sans"/>
               </a:rPr>
               <a:t>By Ibra Cisse</a:t>
             </a:r>
@@ -3731,6 +3295,7 @@
                   </a:solidFill>
                 </a:uFill>
                 <a:latin typeface="Garamond"/>
+                <a:ea typeface="DejaVu Sans"/>
               </a:rPr>
               <a:t>Jason Jensen</a:t>
             </a:r>
@@ -3789,14 +3354,14 @@
       </p:grpSpPr>
       <p:sp>
         <p:nvSpPr>
-          <p:cNvPr id="95" name="TextShape 1"/>
-          <p:cNvSpPr txBox="1"/>
+          <p:cNvPr id="88" name="CustomShape 1"/>
+          <p:cNvSpPr/>
           <p:nvPr/>
         </p:nvSpPr>
         <p:spPr>
           <a:xfrm>
             <a:off x="1295280" y="982080"/>
-            <a:ext cx="9600840" cy="1303560"/>
+            <a:ext cx="9600120" cy="1302840"/>
           </a:xfrm>
           <a:prstGeom prst="rect">
             <a:avLst/>
@@ -3806,8 +3371,14 @@
             <a:noFill/>
           </a:ln>
         </p:spPr>
-        <p:txBody>
-          <a:bodyPr anchor="ctr"/>
+        <p:style>
+          <a:lnRef idx="0"/>
+          <a:fillRef idx="0"/>
+          <a:effectRef idx="0"/>
+          <a:fontRef idx="minor"/>
+        </p:style>
+        <p:txBody>
+          <a:bodyPr lIns="90000" rIns="90000" tIns="45000" bIns="45000" anchor="ctr"/>
           <a:p>
             <a:pPr algn="ctr">
               <a:lnSpc>
@@ -3825,6 +3396,7 @@
                   </a:solidFill>
                 </a:uFill>
                 <a:latin typeface="Garamond"/>
+                <a:ea typeface="DejaVu Sans"/>
               </a:rPr>
               <a:t>Introduction</a:t>
             </a:r>
@@ -3834,14 +3406,14 @@
       </p:sp>
       <p:sp>
         <p:nvSpPr>
-          <p:cNvPr id="96" name="TextShape 2"/>
-          <p:cNvSpPr txBox="1"/>
+          <p:cNvPr id="89" name="CustomShape 2"/>
+          <p:cNvSpPr/>
           <p:nvPr/>
         </p:nvSpPr>
         <p:spPr>
           <a:xfrm>
             <a:off x="1295280" y="2557080"/>
-            <a:ext cx="9600840" cy="3318480"/>
+            <a:ext cx="9600120" cy="3317760"/>
           </a:xfrm>
           <a:prstGeom prst="rect">
             <a:avLst/>
@@ -3851,10 +3423,16 @@
             <a:noFill/>
           </a:ln>
         </p:spPr>
-        <p:txBody>
-          <a:bodyPr/>
-          <a:p>
-            <a:pPr marL="285840" indent="-285480">
+        <p:style>
+          <a:lnRef idx="0"/>
+          <a:fillRef idx="0"/>
+          <a:effectRef idx="0"/>
+          <a:fontRef idx="minor"/>
+        </p:style>
+        <p:txBody>
+          <a:bodyPr lIns="90000" rIns="90000" tIns="45000" bIns="45000"/>
+          <a:p>
+            <a:pPr marL="285840" indent="-284760">
               <a:lnSpc>
                 <a:spcPct val="100000"/>
               </a:lnSpc>
@@ -3876,13 +3454,14 @@
                   </a:solidFill>
                 </a:uFill>
                 <a:latin typeface="Garamond"/>
+                <a:ea typeface="DejaVu Sans"/>
               </a:rPr>
               <a:t>A database project to collection information about the most common medicine.</a:t>
             </a:r>
             <a:endParaRPr/>
           </a:p>
           <a:p>
-            <a:pPr marL="285840" indent="-285480">
+            <a:pPr marL="285840" indent="-284760">
               <a:lnSpc>
                 <a:spcPct val="100000"/>
               </a:lnSpc>
@@ -3904,13 +3483,14 @@
                   </a:solidFill>
                 </a:uFill>
                 <a:latin typeface="Garamond"/>
+                <a:ea typeface="DejaVu Sans"/>
               </a:rPr>
               <a:t>Ranking each medicine based on their daily use and how effective they are.</a:t>
             </a:r>
             <a:endParaRPr/>
           </a:p>
           <a:p>
-            <a:pPr marL="285840" indent="-285480">
+            <a:pPr marL="285840" indent="-284760">
               <a:lnSpc>
                 <a:spcPct val="100000"/>
               </a:lnSpc>
@@ -3932,13 +3512,14 @@
                   </a:solidFill>
                 </a:uFill>
                 <a:latin typeface="Garamond"/>
+                <a:ea typeface="DejaVu Sans"/>
               </a:rPr>
               <a:t>Reviews are based on customers ranking</a:t>
             </a:r>
             <a:endParaRPr/>
           </a:p>
           <a:p>
-            <a:pPr marL="285840" indent="-285480">
+            <a:pPr marL="285840" indent="-284760">
               <a:lnSpc>
                 <a:spcPct val="100000"/>
               </a:lnSpc>
@@ -3960,6 +3541,7 @@
                   </a:solidFill>
                 </a:uFill>
                 <a:latin typeface="Garamond"/>
+                <a:ea typeface="DejaVu Sans"/>
               </a:rPr>
               <a:t>Ranking can change based on Admin standards, clients, or customer writing reviews</a:t>
             </a:r>
@@ -4018,14 +3600,14 @@
       </p:grpSpPr>
       <p:sp>
         <p:nvSpPr>
-          <p:cNvPr id="97" name="TextShape 1"/>
-          <p:cNvSpPr txBox="1"/>
+          <p:cNvPr id="90" name="CustomShape 1"/>
+          <p:cNvSpPr/>
           <p:nvPr/>
         </p:nvSpPr>
         <p:spPr>
           <a:xfrm>
             <a:off x="1295280" y="982080"/>
-            <a:ext cx="9600840" cy="1303560"/>
+            <a:ext cx="9600120" cy="1302840"/>
           </a:xfrm>
           <a:prstGeom prst="rect">
             <a:avLst/>
@@ -4035,8 +3617,14 @@
             <a:noFill/>
           </a:ln>
         </p:spPr>
-        <p:txBody>
-          <a:bodyPr anchor="ctr"/>
+        <p:style>
+          <a:lnRef idx="0"/>
+          <a:fillRef idx="0"/>
+          <a:effectRef idx="0"/>
+          <a:fontRef idx="minor"/>
+        </p:style>
+        <p:txBody>
+          <a:bodyPr lIns="90000" rIns="90000" tIns="45000" bIns="45000" anchor="ctr"/>
           <a:p>
             <a:pPr algn="ctr">
               <a:lnSpc>
@@ -4054,6 +3642,7 @@
                   </a:solidFill>
                 </a:uFill>
                 <a:latin typeface="Garamond"/>
+                <a:ea typeface="DejaVu Sans"/>
               </a:rPr>
               <a:t>Database And Architecture</a:t>
             </a:r>
@@ -4063,14 +3652,14 @@
       </p:sp>
       <p:sp>
         <p:nvSpPr>
-          <p:cNvPr id="98" name="TextShape 2"/>
-          <p:cNvSpPr txBox="1"/>
+          <p:cNvPr id="91" name="CustomShape 2"/>
+          <p:cNvSpPr/>
           <p:nvPr/>
         </p:nvSpPr>
         <p:spPr>
           <a:xfrm>
             <a:off x="1295280" y="2557080"/>
-            <a:ext cx="9600840" cy="3318480"/>
+            <a:ext cx="9600120" cy="3317760"/>
           </a:xfrm>
           <a:prstGeom prst="rect">
             <a:avLst/>
@@ -4080,10 +3669,16 @@
             <a:noFill/>
           </a:ln>
         </p:spPr>
-        <p:txBody>
-          <a:bodyPr/>
-          <a:p>
-            <a:pPr marL="285840" indent="-285480">
+        <p:style>
+          <a:lnRef idx="0"/>
+          <a:fillRef idx="0"/>
+          <a:effectRef idx="0"/>
+          <a:fontRef idx="minor"/>
+        </p:style>
+        <p:txBody>
+          <a:bodyPr lIns="90000" rIns="90000" tIns="45000" bIns="45000"/>
+          <a:p>
+            <a:pPr marL="285840" indent="-284760">
               <a:lnSpc>
                 <a:spcPct val="100000"/>
               </a:lnSpc>
@@ -4105,13 +3700,14 @@
                   </a:solidFill>
                 </a:uFill>
                 <a:latin typeface="Garamond"/>
+                <a:ea typeface="DejaVu Sans"/>
               </a:rPr>
-              <a:t>For the DML, we decided to use MYSQL along with java as front end.</a:t>
+              <a:t>For the DML, we decided to use MYSQL.</a:t>
             </a:r>
             <a:endParaRPr/>
           </a:p>
           <a:p>
-            <a:pPr marL="285840" indent="-285480">
+            <a:pPr marL="285840" indent="-284760">
               <a:lnSpc>
                 <a:spcPct val="100000"/>
               </a:lnSpc>
@@ -4133,13 +3729,14 @@
                   </a:solidFill>
                 </a:uFill>
                 <a:latin typeface="Garamond"/>
+                <a:ea typeface="DejaVu Sans"/>
               </a:rPr>
-              <a:t>This project has 7 entities that interact through link and queries.</a:t>
+              <a:t> </a:t>
             </a:r>
             <a:endParaRPr/>
           </a:p>
           <a:p>
-            <a:pPr marL="285840" indent="-285480">
+            <a:pPr marL="285840" indent="-284760">
               <a:lnSpc>
                 <a:spcPct val="100000"/>
               </a:lnSpc>
@@ -4161,13 +3758,14 @@
                   </a:solidFill>
                 </a:uFill>
                 <a:latin typeface="Garamond"/>
+                <a:ea typeface="DejaVu Sans"/>
               </a:rPr>
-              <a:t>The 7 entities are:</a:t>
+              <a:t>There are 2 main table categories: Users and Medicine</a:t>
             </a:r>
             <a:endParaRPr/>
           </a:p>
           <a:p>
-            <a:pPr lvl="1" marL="743040" indent="-285480">
+            <a:pPr marL="285840" indent="-284760">
               <a:lnSpc>
                 <a:spcPct val="100000"/>
               </a:lnSpc>
@@ -4189,13 +3787,43 @@
                   </a:solidFill>
                 </a:uFill>
                 <a:latin typeface="Garamond"/>
+                <a:ea typeface="DejaVu Sans"/>
+              </a:rPr>
+              <a:t> </a:t>
+            </a:r>
+            <a:endParaRPr/>
+          </a:p>
+          <a:p>
+            <a:pPr marL="285840" indent="-284760">
+              <a:lnSpc>
+                <a:spcPct val="100000"/>
+              </a:lnSpc>
+              <a:buClr>
+                <a:srgbClr val="83992a"/>
+              </a:buClr>
+              <a:buSzPct val="115000"/>
+              <a:buFont typeface="Arial"/>
+              <a:buChar char="•"/>
+            </a:pPr>
+            <a:r>
+              <a:rPr lang="en-US" sz="2000" spc="-1" strike="noStrike">
+                <a:solidFill>
+                  <a:srgbClr val="262626"/>
+                </a:solidFill>
+                <a:uFill>
+                  <a:solidFill>
+                    <a:srgbClr val="ffffff"/>
+                  </a:solidFill>
+                </a:uFill>
+                <a:latin typeface="Garamond"/>
+                <a:ea typeface="DejaVu Sans"/>
               </a:rPr>
               <a:t>Users:</a:t>
             </a:r>
             <a:endParaRPr/>
           </a:p>
           <a:p>
-            <a:pPr lvl="2" marL="1200240" indent="-285480">
+            <a:pPr lvl="2" marL="1200240" indent="-284760">
               <a:lnSpc>
                 <a:spcPct val="100000"/>
               </a:lnSpc>
@@ -4217,13 +3845,14 @@
                   </a:solidFill>
                 </a:uFill>
                 <a:latin typeface="Garamond"/>
+                <a:ea typeface="DejaVu Sans"/>
               </a:rPr>
               <a:t>Admin: have the most privilege to change anything on the database</a:t>
             </a:r>
             <a:endParaRPr/>
           </a:p>
           <a:p>
-            <a:pPr lvl="2" marL="1200240" indent="-285480">
+            <a:pPr lvl="2" marL="1200240" indent="-284760">
               <a:lnSpc>
                 <a:spcPct val="100000"/>
               </a:lnSpc>
@@ -4245,6 +3874,7 @@
                   </a:solidFill>
                 </a:uFill>
                 <a:latin typeface="Garamond"/>
+                <a:ea typeface="DejaVu Sans"/>
               </a:rPr>
               <a:t>Clients: can write, read, and update ranking of medicine based on their use.</a:t>
             </a:r>
@@ -4311,14 +3941,14 @@
       </p:grpSpPr>
       <p:sp>
         <p:nvSpPr>
-          <p:cNvPr id="99" name="TextShape 1"/>
-          <p:cNvSpPr txBox="1"/>
+          <p:cNvPr id="92" name="CustomShape 1"/>
+          <p:cNvSpPr/>
           <p:nvPr/>
         </p:nvSpPr>
         <p:spPr>
           <a:xfrm>
             <a:off x="1295280" y="982080"/>
-            <a:ext cx="9600840" cy="1303560"/>
+            <a:ext cx="9600120" cy="1302840"/>
           </a:xfrm>
           <a:prstGeom prst="rect">
             <a:avLst/>
@@ -4328,8 +3958,14 @@
             <a:noFill/>
           </a:ln>
         </p:spPr>
-        <p:txBody>
-          <a:bodyPr anchor="ctr"/>
+        <p:style>
+          <a:lnRef idx="0"/>
+          <a:fillRef idx="0"/>
+          <a:effectRef idx="0"/>
+          <a:fontRef idx="minor"/>
+        </p:style>
+        <p:txBody>
+          <a:bodyPr lIns="90000" rIns="90000" tIns="45000" bIns="45000" anchor="ctr"/>
           <a:p>
             <a:pPr algn="ctr">
               <a:lnSpc>
@@ -4347,6 +3983,7 @@
                   </a:solidFill>
                 </a:uFill>
                 <a:latin typeface="Garamond"/>
+                <a:ea typeface="DejaVu Sans"/>
               </a:rPr>
               <a:t>Database And Architecture(Cont’)</a:t>
             </a:r>
@@ -4356,14 +3993,14 @@
       </p:sp>
       <p:sp>
         <p:nvSpPr>
-          <p:cNvPr id="100" name="TextShape 2"/>
-          <p:cNvSpPr txBox="1"/>
+          <p:cNvPr id="93" name="CustomShape 2"/>
+          <p:cNvSpPr/>
           <p:nvPr/>
         </p:nvSpPr>
         <p:spPr>
           <a:xfrm>
             <a:off x="1295280" y="2557080"/>
-            <a:ext cx="9600840" cy="3318480"/>
+            <a:ext cx="9600120" cy="3317760"/>
           </a:xfrm>
           <a:prstGeom prst="rect">
             <a:avLst/>
@@ -4373,10 +4010,16 @@
             <a:noFill/>
           </a:ln>
         </p:spPr>
-        <p:txBody>
-          <a:bodyPr/>
-          <a:p>
-            <a:pPr marL="285840" indent="-285480">
+        <p:style>
+          <a:lnRef idx="0"/>
+          <a:fillRef idx="0"/>
+          <a:effectRef idx="0"/>
+          <a:fontRef idx="minor"/>
+        </p:style>
+        <p:txBody>
+          <a:bodyPr lIns="90000" rIns="90000" tIns="45000" bIns="45000"/>
+          <a:p>
+            <a:pPr marL="285840" indent="-284760">
               <a:lnSpc>
                 <a:spcPct val="100000"/>
               </a:lnSpc>
@@ -4398,13 +4041,14 @@
                   </a:solidFill>
                 </a:uFill>
                 <a:latin typeface="Garamond"/>
+                <a:ea typeface="DejaVu Sans"/>
               </a:rPr>
-              <a:t>Information:</a:t>
+              <a:t>Medicine:</a:t>
             </a:r>
             <a:endParaRPr/>
           </a:p>
           <a:p>
-            <a:pPr lvl="1" marL="743040" indent="-285480">
+            <a:pPr lvl="1" marL="743040" indent="-284760">
               <a:lnSpc>
                 <a:spcPct val="100000"/>
               </a:lnSpc>
@@ -4426,13 +4070,14 @@
                   </a:solidFill>
                 </a:uFill>
                 <a:latin typeface="Garamond"/>
+                <a:ea typeface="DejaVu Sans"/>
               </a:rPr>
-              <a:t>Symptoms: users can search based on symptoms that they have.</a:t>
+              <a:t>Symptoms: Users can search based on symptoms that they have.</a:t>
             </a:r>
             <a:endParaRPr/>
           </a:p>
           <a:p>
-            <a:pPr lvl="1" marL="743040" indent="-285480">
+            <a:pPr lvl="1" marL="743040" indent="-284760">
               <a:lnSpc>
                 <a:spcPct val="100000"/>
               </a:lnSpc>
@@ -4454,13 +4099,14 @@
                   </a:solidFill>
                 </a:uFill>
                 <a:latin typeface="Garamond"/>
+                <a:ea typeface="DejaVu Sans"/>
               </a:rPr>
-              <a:t>Medicine: holds generic and brand names for mostly used medicine.</a:t>
+              <a:t>Medicine: Holds generic and brand names for saved medicine.</a:t>
             </a:r>
             <a:endParaRPr/>
           </a:p>
           <a:p>
-            <a:pPr lvl="1" marL="743040" indent="-285480">
+            <a:pPr lvl="1" marL="743040" indent="-284760">
               <a:lnSpc>
                 <a:spcPct val="100000"/>
               </a:lnSpc>
@@ -4482,13 +4128,14 @@
                   </a:solidFill>
                 </a:uFill>
                 <a:latin typeface="Garamond"/>
+                <a:ea typeface="DejaVu Sans"/>
               </a:rPr>
-              <a:t>Ingredients: list of ingredient for the medicine for users to see.</a:t>
+              <a:t>Side Effects: Generic name</a:t>
             </a:r>
             <a:endParaRPr/>
           </a:p>
           <a:p>
-            <a:pPr lvl="1" marL="743040" indent="-285480">
+            <a:pPr lvl="1" marL="743040" indent="-284760">
               <a:lnSpc>
                 <a:spcPct val="100000"/>
               </a:lnSpc>
@@ -4510,13 +4157,14 @@
                   </a:solidFill>
                 </a:uFill>
                 <a:latin typeface="Garamond"/>
+                <a:ea typeface="DejaVu Sans"/>
               </a:rPr>
-              <a:t>Sales Value: Generic name, pricing for the city and also average prices</a:t>
+              <a:t>Reviews: Holds medicine reviews and ratings from clients</a:t>
             </a:r>
             <a:endParaRPr/>
           </a:p>
           <a:p>
-            <a:pPr lvl="1" marL="743040" indent="-285480">
+            <a:pPr lvl="1" marL="743040" indent="-284760">
               <a:lnSpc>
                 <a:spcPct val="100000"/>
               </a:lnSpc>
@@ -4538,12 +4186,18 @@
                   </a:solidFill>
                 </a:uFill>
                 <a:latin typeface="Garamond"/>
+                <a:ea typeface="DejaVu Sans"/>
               </a:rPr>
-              <a:t>Reviews: holds reviews and suggestion from customers and clients as well</a:t>
+              <a:t>Suggestions: Hold suggestions from clients on how to improve the system.</a:t>
             </a:r>
             <a:endParaRPr/>
           </a:p>
           <a:p>
+            <a:pPr>
+              <a:lnSpc>
+                <a:spcPct val="100000"/>
+              </a:lnSpc>
+            </a:pPr>
             <a:endParaRPr/>
           </a:p>
         </p:txBody>
@@ -4599,14 +4253,14 @@
       </p:grpSpPr>
       <p:sp>
         <p:nvSpPr>
-          <p:cNvPr id="101" name="TextShape 1"/>
-          <p:cNvSpPr txBox="1"/>
+          <p:cNvPr id="94" name="CustomShape 1"/>
+          <p:cNvSpPr/>
           <p:nvPr/>
         </p:nvSpPr>
         <p:spPr>
           <a:xfrm>
             <a:off x="1295280" y="284040"/>
-            <a:ext cx="9600840" cy="1303560"/>
+            <a:ext cx="9600120" cy="1302840"/>
           </a:xfrm>
           <a:prstGeom prst="rect">
             <a:avLst/>
@@ -4616,8 +4270,14 @@
             <a:noFill/>
           </a:ln>
         </p:spPr>
-        <p:txBody>
-          <a:bodyPr anchor="ctr"/>
+        <p:style>
+          <a:lnRef idx="0"/>
+          <a:fillRef idx="0"/>
+          <a:effectRef idx="0"/>
+          <a:fontRef idx="minor"/>
+        </p:style>
+        <p:txBody>
+          <a:bodyPr lIns="90000" rIns="90000" tIns="45000" bIns="45000" anchor="ctr"/>
           <a:p>
             <a:pPr algn="ctr">
               <a:lnSpc>
@@ -4635,6 +4295,7 @@
                   </a:solidFill>
                 </a:uFill>
                 <a:latin typeface="Garamond"/>
+                <a:ea typeface="DejaVu Sans"/>
               </a:rPr>
               <a:t>Diagram</a:t>
             </a:r>
@@ -4644,7 +4305,7 @@
       </p:sp>
       <p:pic>
         <p:nvPicPr>
-          <p:cNvPr id="102" name="" descr=""/>
+          <p:cNvPr id="95" name="" descr=""/>
           <p:cNvPicPr/>
           <p:nvPr/>
         </p:nvPicPr>
@@ -4655,7 +4316,7 @@
         <p:spPr>
           <a:xfrm>
             <a:off x="2763720" y="1183320"/>
-            <a:ext cx="7569000" cy="5070960"/>
+            <a:ext cx="7568280" cy="5070240"/>
           </a:xfrm>
           <a:prstGeom prst="rect">
             <a:avLst/>
@@ -4716,14 +4377,14 @@
       </p:grpSpPr>
       <p:sp>
         <p:nvSpPr>
-          <p:cNvPr id="103" name="TextShape 1"/>
-          <p:cNvSpPr txBox="1"/>
+          <p:cNvPr id="96" name="CustomShape 1"/>
+          <p:cNvSpPr/>
           <p:nvPr/>
         </p:nvSpPr>
         <p:spPr>
           <a:xfrm>
             <a:off x="1295280" y="982080"/>
-            <a:ext cx="9600840" cy="1303560"/>
+            <a:ext cx="9600120" cy="1302840"/>
           </a:xfrm>
           <a:prstGeom prst="rect">
             <a:avLst/>
@@ -4733,8 +4394,14 @@
             <a:noFill/>
           </a:ln>
         </p:spPr>
-        <p:txBody>
-          <a:bodyPr anchor="ctr"/>
+        <p:style>
+          <a:lnRef idx="0"/>
+          <a:fillRef idx="0"/>
+          <a:effectRef idx="0"/>
+          <a:fontRef idx="minor"/>
+        </p:style>
+        <p:txBody>
+          <a:bodyPr lIns="90000" rIns="90000" tIns="45000" bIns="45000" anchor="ctr"/>
           <a:p>
             <a:pPr algn="ctr">
               <a:lnSpc>
@@ -4752,6 +4419,7 @@
                   </a:solidFill>
                 </a:uFill>
                 <a:latin typeface="Garamond"/>
+                <a:ea typeface="DejaVu Sans"/>
               </a:rPr>
               <a:t>Use Case and Results</a:t>
             </a:r>
@@ -4761,14 +4429,14 @@
       </p:sp>
       <p:sp>
         <p:nvSpPr>
-          <p:cNvPr id="104" name="TextShape 2"/>
-          <p:cNvSpPr txBox="1"/>
+          <p:cNvPr id="97" name="CustomShape 2"/>
+          <p:cNvSpPr/>
           <p:nvPr/>
         </p:nvSpPr>
         <p:spPr>
           <a:xfrm>
             <a:off x="1295280" y="2557080"/>
-            <a:ext cx="9600840" cy="3318480"/>
+            <a:ext cx="9600120" cy="3317760"/>
           </a:xfrm>
           <a:prstGeom prst="rect">
             <a:avLst/>
@@ -4778,10 +4446,16 @@
             <a:noFill/>
           </a:ln>
         </p:spPr>
-        <p:txBody>
-          <a:bodyPr/>
-          <a:p>
-            <a:pPr marL="285840" indent="-285480">
+        <p:style>
+          <a:lnRef idx="0"/>
+          <a:fillRef idx="0"/>
+          <a:effectRef idx="0"/>
+          <a:fontRef idx="minor"/>
+        </p:style>
+        <p:txBody>
+          <a:bodyPr lIns="90000" rIns="90000" tIns="45000" bIns="45000"/>
+          <a:p>
+            <a:pPr marL="285840" indent="-284760">
               <a:lnSpc>
                 <a:spcPct val="100000"/>
               </a:lnSpc>
@@ -4803,13 +4477,14 @@
                   </a:solidFill>
                 </a:uFill>
                 <a:latin typeface="Garamond"/>
+                <a:ea typeface="DejaVu Sans"/>
               </a:rPr>
               <a:t>Administrator login</a:t>
             </a:r>
             <a:endParaRPr/>
           </a:p>
           <a:p>
-            <a:pPr marL="285840" indent="-285480">
+            <a:pPr marL="285840" indent="-284760">
               <a:lnSpc>
                 <a:spcPct val="100000"/>
               </a:lnSpc>
@@ -4831,13 +4506,14 @@
                   </a:solidFill>
                 </a:uFill>
                 <a:latin typeface="Garamond"/>
+                <a:ea typeface="DejaVu Sans"/>
               </a:rPr>
               <a:t>Client Log in</a:t>
             </a:r>
             <a:endParaRPr/>
           </a:p>
           <a:p>
-            <a:pPr marL="285840" indent="-285480">
+            <a:pPr marL="285840" indent="-284760">
               <a:lnSpc>
                 <a:spcPct val="100000"/>
               </a:lnSpc>
@@ -4859,13 +4535,14 @@
                   </a:solidFill>
                 </a:uFill>
                 <a:latin typeface="Garamond"/>
+                <a:ea typeface="DejaVu Sans"/>
               </a:rPr>
               <a:t>Client sign up</a:t>
             </a:r>
             <a:endParaRPr/>
           </a:p>
           <a:p>
-            <a:pPr marL="285840" indent="-285480">
+            <a:pPr marL="285840" indent="-284760">
               <a:lnSpc>
                 <a:spcPct val="100000"/>
               </a:lnSpc>
@@ -4887,13 +4564,14 @@
                   </a:solidFill>
                 </a:uFill>
                 <a:latin typeface="Garamond"/>
+                <a:ea typeface="DejaVu Sans"/>
               </a:rPr>
               <a:t>Administrator creates a table</a:t>
             </a:r>
             <a:endParaRPr/>
           </a:p>
           <a:p>
-            <a:pPr marL="285840" indent="-285480">
+            <a:pPr marL="285840" indent="-284760">
               <a:lnSpc>
                 <a:spcPct val="100000"/>
               </a:lnSpc>
@@ -4915,13 +4593,14 @@
                   </a:solidFill>
                 </a:uFill>
                 <a:latin typeface="Garamond"/>
+                <a:ea typeface="DejaVu Sans"/>
               </a:rPr>
-              <a:t>User asks the highest rated medicine along with its generic name</a:t>
+              <a:t>User asks the highest rated medicine</a:t>
             </a:r>
             <a:endParaRPr/>
           </a:p>
           <a:p>
-            <a:pPr marL="285840" indent="-285480">
+            <a:pPr marL="285840" indent="-284760">
               <a:lnSpc>
                 <a:spcPct val="100000"/>
               </a:lnSpc>
@@ -4943,138 +4622,14 @@
                   </a:solidFill>
                 </a:uFill>
                 <a:latin typeface="Garamond"/>
+                <a:ea typeface="DejaVu Sans"/>
               </a:rPr>
               <a:t>Client writes a review</a:t>
             </a:r>
             <a:endParaRPr/>
           </a:p>
           <a:p>
-            <a:pPr>
-              <a:lnSpc>
-                <a:spcPct val="100000"/>
-              </a:lnSpc>
-            </a:pPr>
-            <a:endParaRPr/>
-          </a:p>
-        </p:txBody>
-      </p:sp>
-    </p:spTree>
-  </p:cSld>
-  <p:timing>
-    <p:tnLst>
-      <p:par>
-        <p:cTn id="11" dur="indefinite" restart="never" nodeType="tmRoot">
-          <p:childTnLst>
-            <p:seq>
-              <p:cTn id="12" nodeType="mainSeq"/>
-              <p:prevCondLst>
-                <p:cond delay="0" evt="onPrev">
-                  <p:tgtEl>
-                    <p:sldTgt/>
-                  </p:tgtEl>
-                </p:cond>
-              </p:prevCondLst>
-              <p:nextCondLst>
-                <p:cond delay="0" evt="onNext">
-                  <p:tgtEl>
-                    <p:sldTgt/>
-                  </p:tgtEl>
-                </p:cond>
-              </p:nextCondLst>
-            </p:seq>
-          </p:childTnLst>
-        </p:cTn>
-      </p:par>
-    </p:tnLst>
-  </p:timing>
-</p:sld>
-</file>
-
-<file path=ppt/slides/slide7.xml><?xml version="1.0" encoding="utf-8"?>
-<p:sld xmlns:a="http://schemas.openxmlformats.org/drawingml/2006/main" xmlns:p="http://schemas.openxmlformats.org/presentationml/2006/main" xmlns:r="http://schemas.openxmlformats.org/officeDocument/2006/relationships">
-  <p:cSld>
-    <p:spTree>
-      <p:nvGrpSpPr>
-        <p:cNvPr id="1" name=""/>
-        <p:cNvGrpSpPr/>
-        <p:nvPr/>
-      </p:nvGrpSpPr>
-      <p:grpSpPr>
-        <a:xfrm>
-          <a:off x="0" y="0"/>
-          <a:ext cx="0" cy="0"/>
-          <a:chOff x="0" y="0"/>
-          <a:chExt cx="0" cy="0"/>
-        </a:xfrm>
-      </p:grpSpPr>
-      <p:sp>
-        <p:nvSpPr>
-          <p:cNvPr id="105" name="TextShape 1"/>
-          <p:cNvSpPr txBox="1"/>
-          <p:nvPr/>
-        </p:nvSpPr>
-        <p:spPr>
-          <a:xfrm>
-            <a:off x="1295280" y="982080"/>
-            <a:ext cx="9600840" cy="1303560"/>
-          </a:xfrm>
-          <a:prstGeom prst="rect">
-            <a:avLst/>
-          </a:prstGeom>
-          <a:noFill/>
-          <a:ln>
-            <a:noFill/>
-          </a:ln>
-        </p:spPr>
-        <p:txBody>
-          <a:bodyPr anchor="ctr"/>
-          <a:p>
-            <a:pPr algn="ctr">
-              <a:lnSpc>
-                <a:spcPct val="100000"/>
-              </a:lnSpc>
-            </a:pPr>
-            <a:r>
-              <a:rPr lang="en-US" sz="4400" spc="-1" strike="noStrike">
-                <a:solidFill>
-                  <a:srgbClr val="262626"/>
-                </a:solidFill>
-                <a:uFill>
-                  <a:solidFill>
-                    <a:srgbClr val="ffffff"/>
-                  </a:solidFill>
-                </a:uFill>
-                <a:latin typeface="Garamond"/>
-              </a:rPr>
-              <a:t>Use Case and Results(Cont’)</a:t>
-            </a:r>
-            <a:endParaRPr/>
-          </a:p>
-        </p:txBody>
-      </p:sp>
-      <p:sp>
-        <p:nvSpPr>
-          <p:cNvPr id="106" name="TextShape 2"/>
-          <p:cNvSpPr txBox="1"/>
-          <p:nvPr/>
-        </p:nvSpPr>
-        <p:spPr>
-          <a:xfrm>
-            <a:off x="1295280" y="2557080"/>
-            <a:ext cx="9600840" cy="3318480"/>
-          </a:xfrm>
-          <a:prstGeom prst="rect">
-            <a:avLst/>
-          </a:prstGeom>
-          <a:noFill/>
-          <a:ln>
-            <a:noFill/>
-          </a:ln>
-        </p:spPr>
-        <p:txBody>
-          <a:bodyPr/>
-          <a:p>
-            <a:pPr marL="285840" indent="-285480">
+            <a:pPr marL="285840" indent="-284760">
               <a:lnSpc>
                 <a:spcPct val="100000"/>
               </a:lnSpc>
@@ -5096,13 +4651,14 @@
                   </a:solidFill>
                 </a:uFill>
                 <a:latin typeface="Garamond"/>
+                <a:ea typeface="DejaVu Sans"/>
               </a:rPr>
               <a:t>Client searches for side effects of medication</a:t>
             </a:r>
             <a:endParaRPr/>
           </a:p>
           <a:p>
-            <a:pPr marL="285840" indent="-285480">
+            <a:pPr marL="285840" indent="-284760">
               <a:lnSpc>
                 <a:spcPct val="100000"/>
               </a:lnSpc>
@@ -5124,6 +4680,7 @@
                   </a:solidFill>
                 </a:uFill>
                 <a:latin typeface="Garamond"/>
+                <a:ea typeface="DejaVu Sans"/>
               </a:rPr>
               <a:t>Client searches for side effects by symptom</a:t>
             </a:r>
@@ -5144,10 +4701,10 @@
   <p:timing>
     <p:tnLst>
       <p:par>
-        <p:cTn id="13" dur="indefinite" restart="never" nodeType="tmRoot">
+        <p:cTn id="11" dur="indefinite" restart="never" nodeType="tmRoot">
           <p:childTnLst>
             <p:seq>
-              <p:cTn id="14" nodeType="mainSeq"/>
+              <p:cTn id="12" nodeType="mainSeq"/>
               <p:prevCondLst>
                 <p:cond delay="0" evt="onPrev">
                   <p:tgtEl>
